--- a/BAKERY.pptx
+++ b/BAKERY.pptx
@@ -16,8 +16,8 @@
     <p:sldId id="308" r:id="rId7"/>
     <p:sldId id="278" r:id="rId8"/>
     <p:sldId id="309" r:id="rId9"/>
-    <p:sldId id="263" r:id="rId10"/>
-    <p:sldId id="310" r:id="rId11"/>
+    <p:sldId id="310" r:id="rId10"/>
+    <p:sldId id="263" r:id="rId11"/>
     <p:sldId id="316" r:id="rId12"/>
     <p:sldId id="311" r:id="rId13"/>
     <p:sldId id="304" r:id="rId14"/>
@@ -183,20 +183,52 @@
 <pc:chgInfo xmlns:a="http://schemas.openxmlformats.org/drawingml/2006/main" xmlns:r="http://schemas.openxmlformats.org/officeDocument/2006/relationships" xmlns:ac="http://schemas.microsoft.com/office/drawing/2013/main/command" xmlns:pc="http://schemas.microsoft.com/office/powerpoint/2013/main/command">
   <pc:docChgLst>
     <pc:chgData name="aakriti parajuli" userId="38081afc37ecc0b9" providerId="LiveId" clId="{9327C59D-7A01-4345-ACB7-CC605A750186}"/>
-    <pc:docChg chg="undo redo custSel modSld">
-      <pc:chgData name="aakriti parajuli" userId="38081afc37ecc0b9" providerId="LiveId" clId="{9327C59D-7A01-4345-ACB7-CC605A750186}" dt="2024-10-01T23:15:05.618" v="148" actId="20577"/>
+    <pc:docChg chg="undo redo custSel addSld delSld modSld sldOrd">
+      <pc:chgData name="aakriti parajuli" userId="38081afc37ecc0b9" providerId="LiveId" clId="{9327C59D-7A01-4345-ACB7-CC605A750186}" dt="2024-10-02T04:49:07.262" v="757" actId="2711"/>
       <pc:docMkLst>
         <pc:docMk/>
       </pc:docMkLst>
-      <pc:sldChg chg="modTransition modAnim">
-        <pc:chgData name="aakriti parajuli" userId="38081afc37ecc0b9" providerId="LiveId" clId="{9327C59D-7A01-4345-ACB7-CC605A750186}" dt="2024-10-01T22:49:28.868" v="91"/>
+      <pc:sldChg chg="addSp delSp modSp ord modTransition modAnim">
+        <pc:chgData name="aakriti parajuli" userId="38081afc37ecc0b9" providerId="LiveId" clId="{9327C59D-7A01-4345-ACB7-CC605A750186}" dt="2024-10-02T04:33:00.587" v="685"/>
         <pc:sldMkLst>
           <pc:docMk/>
           <pc:sldMk cId="1096717490" sldId="263"/>
         </pc:sldMkLst>
+        <pc:picChg chg="add mod">
+          <ac:chgData name="aakriti parajuli" userId="38081afc37ecc0b9" providerId="LiveId" clId="{9327C59D-7A01-4345-ACB7-CC605A750186}" dt="2024-10-02T04:33:00.587" v="685"/>
+          <ac:picMkLst>
+            <pc:docMk/>
+            <pc:sldMk cId="1096717490" sldId="263"/>
+            <ac:picMk id="2" creationId="{1DDAD07B-86A4-0126-6065-0EFD3D5E8C4C}"/>
+          </ac:picMkLst>
+        </pc:picChg>
+        <pc:picChg chg="add del mod">
+          <ac:chgData name="aakriti parajuli" userId="38081afc37ecc0b9" providerId="LiveId" clId="{9327C59D-7A01-4345-ACB7-CC605A750186}" dt="2024-10-02T01:31:22.938" v="151" actId="21"/>
+          <ac:picMkLst>
+            <pc:docMk/>
+            <pc:sldMk cId="1096717490" sldId="263"/>
+            <ac:picMk id="2" creationId="{FC057749-F89D-70C0-F19B-9742386AFB5C}"/>
+          </ac:picMkLst>
+        </pc:picChg>
+        <pc:picChg chg="add del mod">
+          <ac:chgData name="aakriti parajuli" userId="38081afc37ecc0b9" providerId="LiveId" clId="{9327C59D-7A01-4345-ACB7-CC605A750186}" dt="2024-10-02T04:32:59.717" v="684" actId="478"/>
+          <ac:picMkLst>
+            <pc:docMk/>
+            <pc:sldMk cId="1096717490" sldId="263"/>
+            <ac:picMk id="1026" creationId="{6425A639-A7E8-4D5D-9BD6-C8A59000B031}"/>
+          </ac:picMkLst>
+        </pc:picChg>
+        <pc:picChg chg="del">
+          <ac:chgData name="aakriti parajuli" userId="38081afc37ecc0b9" providerId="LiveId" clId="{9327C59D-7A01-4345-ACB7-CC605A750186}" dt="2024-10-02T01:31:19.124" v="149" actId="21"/>
+          <ac:picMkLst>
+            <pc:docMk/>
+            <pc:sldMk cId="1096717490" sldId="263"/>
+            <ac:picMk id="4100" creationId="{FC057749-F89D-70C0-F19B-9742386AFB5C}"/>
+          </ac:picMkLst>
+        </pc:picChg>
       </pc:sldChg>
       <pc:sldChg chg="modSp mod modTransition modAnim">
-        <pc:chgData name="aakriti parajuli" userId="38081afc37ecc0b9" providerId="LiveId" clId="{9327C59D-7A01-4345-ACB7-CC605A750186}" dt="2024-10-01T22:49:13.400" v="88"/>
+        <pc:chgData name="aakriti parajuli" userId="38081afc37ecc0b9" providerId="LiveId" clId="{9327C59D-7A01-4345-ACB7-CC605A750186}" dt="2024-10-02T04:25:20.258" v="663" actId="5793"/>
         <pc:sldMkLst>
           <pc:docMk/>
           <pc:sldMk cId="520000563" sldId="278"/>
@@ -210,7 +242,7 @@
           </ac:spMkLst>
         </pc:spChg>
         <pc:spChg chg="mod">
-          <ac:chgData name="aakriti parajuli" userId="38081afc37ecc0b9" providerId="LiveId" clId="{9327C59D-7A01-4345-ACB7-CC605A750186}" dt="2024-10-01T22:36:14.335" v="55" actId="1076"/>
+          <ac:chgData name="aakriti parajuli" userId="38081afc37ecc0b9" providerId="LiveId" clId="{9327C59D-7A01-4345-ACB7-CC605A750186}" dt="2024-10-02T04:25:20.258" v="663" actId="5793"/>
           <ac:spMkLst>
             <pc:docMk/>
             <pc:sldMk cId="520000563" sldId="278"/>
@@ -233,8 +265,8 @@
           </ac:picMkLst>
         </pc:picChg>
       </pc:sldChg>
-      <pc:sldChg chg="modSp modTransition modAnim">
-        <pc:chgData name="aakriti parajuli" userId="38081afc37ecc0b9" providerId="LiveId" clId="{9327C59D-7A01-4345-ACB7-CC605A750186}" dt="2024-10-01T23:07:25.305" v="136"/>
+      <pc:sldChg chg="modSp mod modTransition modAnim">
+        <pc:chgData name="aakriti parajuli" userId="38081afc37ecc0b9" providerId="LiveId" clId="{9327C59D-7A01-4345-ACB7-CC605A750186}" dt="2024-10-02T04:08:26.049" v="170" actId="20577"/>
         <pc:sldMkLst>
           <pc:docMk/>
           <pc:sldMk cId="586478555" sldId="307"/>
@@ -247,15 +279,23 @@
             <ac:spMk id="2" creationId="{C3F46C7B-D29F-368C-FEEC-CDFA125F8E5C}"/>
           </ac:spMkLst>
         </pc:spChg>
+        <pc:graphicFrameChg chg="modGraphic">
+          <ac:chgData name="aakriti parajuli" userId="38081afc37ecc0b9" providerId="LiveId" clId="{9327C59D-7A01-4345-ACB7-CC605A750186}" dt="2024-10-02T04:08:26.049" v="170" actId="20577"/>
+          <ac:graphicFrameMkLst>
+            <pc:docMk/>
+            <pc:sldMk cId="586478555" sldId="307"/>
+            <ac:graphicFrameMk id="6" creationId="{0D6FB95E-6987-A57C-3663-3FD6F6FAC24E}"/>
+          </ac:graphicFrameMkLst>
+        </pc:graphicFrameChg>
       </pc:sldChg>
       <pc:sldChg chg="addSp delSp modSp mod modTransition modAnim">
-        <pc:chgData name="aakriti parajuli" userId="38081afc37ecc0b9" providerId="LiveId" clId="{9327C59D-7A01-4345-ACB7-CC605A750186}" dt="2024-10-01T23:13:49.605" v="147" actId="123"/>
+        <pc:chgData name="aakriti parajuli" userId="38081afc37ecc0b9" providerId="LiveId" clId="{9327C59D-7A01-4345-ACB7-CC605A750186}" dt="2024-10-02T04:29:38.200" v="683" actId="20577"/>
         <pc:sldMkLst>
           <pc:docMk/>
           <pc:sldMk cId="2222324472" sldId="308"/>
         </pc:sldMkLst>
         <pc:spChg chg="mod">
-          <ac:chgData name="aakriti parajuli" userId="38081afc37ecc0b9" providerId="LiveId" clId="{9327C59D-7A01-4345-ACB7-CC605A750186}" dt="2024-10-01T23:13:39.632" v="141" actId="1076"/>
+          <ac:chgData name="aakriti parajuli" userId="38081afc37ecc0b9" providerId="LiveId" clId="{9327C59D-7A01-4345-ACB7-CC605A750186}" dt="2024-10-02T04:29:15.672" v="675" actId="20578"/>
           <ac:spMkLst>
             <pc:docMk/>
             <pc:sldMk cId="2222324472" sldId="308"/>
@@ -270,14 +310,30 @@
             <ac:spMk id="3" creationId="{B7446152-AA26-1B33-74D7-18532DD7CECF}"/>
           </ac:spMkLst>
         </pc:spChg>
-        <pc:spChg chg="mod">
-          <ac:chgData name="aakriti parajuli" userId="38081afc37ecc0b9" providerId="LiveId" clId="{9327C59D-7A01-4345-ACB7-CC605A750186}" dt="2024-10-01T23:13:49.605" v="147" actId="123"/>
+        <pc:spChg chg="add del mod">
+          <ac:chgData name="aakriti parajuli" userId="38081afc37ecc0b9" providerId="LiveId" clId="{9327C59D-7A01-4345-ACB7-CC605A750186}" dt="2024-10-02T04:29:38.200" v="683" actId="20577"/>
           <ac:spMkLst>
             <pc:docMk/>
             <pc:sldMk cId="2222324472" sldId="308"/>
             <ac:spMk id="16" creationId="{1B540613-C55B-E3A3-6E5D-8F13E063119C}"/>
           </ac:spMkLst>
         </pc:spChg>
+        <pc:picChg chg="add del">
+          <ac:chgData name="aakriti parajuli" userId="38081afc37ecc0b9" providerId="LiveId" clId="{9327C59D-7A01-4345-ACB7-CC605A750186}" dt="2024-10-02T04:27:56.007" v="668" actId="478"/>
+          <ac:picMkLst>
+            <pc:docMk/>
+            <pc:sldMk cId="2222324472" sldId="308"/>
+            <ac:picMk id="1026" creationId="{B38E97E7-C003-0CE9-9D4A-00F8E6E176D6}"/>
+          </ac:picMkLst>
+        </pc:picChg>
+        <pc:picChg chg="add mod">
+          <ac:chgData name="aakriti parajuli" userId="38081afc37ecc0b9" providerId="LiveId" clId="{9327C59D-7A01-4345-ACB7-CC605A750186}" dt="2024-10-02T04:28:14.102" v="671" actId="1076"/>
+          <ac:picMkLst>
+            <pc:docMk/>
+            <pc:sldMk cId="2222324472" sldId="308"/>
+            <ac:picMk id="1028" creationId="{07A0EC71-B82C-3E06-BA79-01AA9406782E}"/>
+          </ac:picMkLst>
+        </pc:picChg>
       </pc:sldChg>
       <pc:sldChg chg="modSp modTransition modAnim">
         <pc:chgData name="aakriti parajuli" userId="38081afc37ecc0b9" providerId="LiveId" clId="{9327C59D-7A01-4345-ACB7-CC605A750186}" dt="2024-10-01T23:15:05.618" v="148" actId="20577"/>
@@ -302,13 +358,13 @@
         </pc:sldMkLst>
       </pc:sldChg>
       <pc:sldChg chg="modSp mod modTransition modAnim">
-        <pc:chgData name="aakriti parajuli" userId="38081afc37ecc0b9" providerId="LiveId" clId="{9327C59D-7A01-4345-ACB7-CC605A750186}" dt="2024-10-01T22:49:59.398" v="97"/>
+        <pc:chgData name="aakriti parajuli" userId="38081afc37ecc0b9" providerId="LiveId" clId="{9327C59D-7A01-4345-ACB7-CC605A750186}" dt="2024-10-02T04:10:53.140" v="241" actId="20577"/>
         <pc:sldMkLst>
           <pc:docMk/>
           <pc:sldMk cId="3748348926" sldId="311"/>
         </pc:sldMkLst>
         <pc:spChg chg="mod">
-          <ac:chgData name="aakriti parajuli" userId="38081afc37ecc0b9" providerId="LiveId" clId="{9327C59D-7A01-4345-ACB7-CC605A750186}" dt="2024-10-01T22:27:33.039" v="18" actId="1076"/>
+          <ac:chgData name="aakriti parajuli" userId="38081afc37ecc0b9" providerId="LiveId" clId="{9327C59D-7A01-4345-ACB7-CC605A750186}" dt="2024-10-02T04:10:53.140" v="241" actId="20577"/>
           <ac:spMkLst>
             <pc:docMk/>
             <pc:sldMk cId="3748348926" sldId="311"/>
@@ -316,15 +372,15 @@
           </ac:spMkLst>
         </pc:spChg>
       </pc:sldChg>
-      <pc:sldChg chg="modTransition modAnim">
-        <pc:chgData name="aakriti parajuli" userId="38081afc37ecc0b9" providerId="LiveId" clId="{9327C59D-7A01-4345-ACB7-CC605A750186}" dt="2024-10-01T22:50:03.909" v="98"/>
+      <pc:sldChg chg="del modTransition modAnim">
+        <pc:chgData name="aakriti parajuli" userId="38081afc37ecc0b9" providerId="LiveId" clId="{9327C59D-7A01-4345-ACB7-CC605A750186}" dt="2024-10-02T04:07:48.470" v="166" actId="47"/>
         <pc:sldMkLst>
           <pc:docMk/>
           <pc:sldMk cId="4132147533" sldId="314"/>
         </pc:sldMkLst>
       </pc:sldChg>
-      <pc:sldChg chg="addSp delSp modSp modTransition modAnim">
-        <pc:chgData name="aakriti parajuli" userId="38081afc37ecc0b9" providerId="LiveId" clId="{9327C59D-7A01-4345-ACB7-CC605A750186}" dt="2024-10-01T22:49:50.501" v="95"/>
+      <pc:sldChg chg="addSp delSp modSp add del modTransition modAnim">
+        <pc:chgData name="aakriti parajuli" userId="38081afc37ecc0b9" providerId="LiveId" clId="{9327C59D-7A01-4345-ACB7-CC605A750186}" dt="2024-10-02T04:08:00.764" v="168" actId="47"/>
         <pc:sldMkLst>
           <pc:docMk/>
           <pc:sldMk cId="537809529" sldId="316"/>
@@ -347,11 +403,19 @@
         </pc:picChg>
       </pc:sldChg>
       <pc:sldChg chg="addSp delSp modSp mod modTransition modAnim">
-        <pc:chgData name="aakriti parajuli" userId="38081afc37ecc0b9" providerId="LiveId" clId="{9327C59D-7A01-4345-ACB7-CC605A750186}" dt="2024-10-01T23:06:52.072" v="135" actId="20577"/>
+        <pc:chgData name="aakriti parajuli" userId="38081afc37ecc0b9" providerId="LiveId" clId="{9327C59D-7A01-4345-ACB7-CC605A750186}" dt="2024-10-02T04:49:07.262" v="757" actId="2711"/>
         <pc:sldMkLst>
           <pc:docMk/>
           <pc:sldMk cId="1338167130" sldId="317"/>
         </pc:sldMkLst>
+        <pc:spChg chg="add mod">
+          <ac:chgData name="aakriti parajuli" userId="38081afc37ecc0b9" providerId="LiveId" clId="{9327C59D-7A01-4345-ACB7-CC605A750186}" dt="2024-10-02T04:09:38.852" v="226" actId="20577"/>
+          <ac:spMkLst>
+            <pc:docMk/>
+            <pc:sldMk cId="1338167130" sldId="317"/>
+            <ac:spMk id="2" creationId="{D72FD935-5626-10EB-E41F-D5A92003424A}"/>
+          </ac:spMkLst>
+        </pc:spChg>
         <pc:spChg chg="add del mod">
           <ac:chgData name="aakriti parajuli" userId="38081afc37ecc0b9" providerId="LiveId" clId="{9327C59D-7A01-4345-ACB7-CC605A750186}" dt="2024-10-01T23:01:34.330" v="122"/>
           <ac:spMkLst>
@@ -361,11 +425,35 @@
           </ac:spMkLst>
         </pc:spChg>
         <pc:spChg chg="add del mod">
+          <ac:chgData name="aakriti parajuli" userId="38081afc37ecc0b9" providerId="LiveId" clId="{9327C59D-7A01-4345-ACB7-CC605A750186}" dt="2024-10-02T04:45:21.802" v="703" actId="478"/>
+          <ac:spMkLst>
+            <pc:docMk/>
+            <pc:sldMk cId="1338167130" sldId="317"/>
+            <ac:spMk id="3" creationId="{972BE926-259F-CD2D-9821-EB40900B3B72}"/>
+          </ac:spMkLst>
+        </pc:spChg>
+        <pc:spChg chg="add del mod">
           <ac:chgData name="aakriti parajuli" userId="38081afc37ecc0b9" providerId="LiveId" clId="{9327C59D-7A01-4345-ACB7-CC605A750186}" dt="2024-10-01T23:06:52.072" v="135" actId="20577"/>
           <ac:spMkLst>
             <pc:docMk/>
             <pc:sldMk cId="1338167130" sldId="317"/>
             <ac:spMk id="4" creationId="{17E209DB-11DC-1D3F-8969-7F7E26F7FAC3}"/>
+          </ac:spMkLst>
+        </pc:spChg>
+        <pc:spChg chg="add del mod">
+          <ac:chgData name="aakriti parajuli" userId="38081afc37ecc0b9" providerId="LiveId" clId="{9327C59D-7A01-4345-ACB7-CC605A750186}" dt="2024-10-02T04:48:01.028" v="742" actId="478"/>
+          <ac:spMkLst>
+            <pc:docMk/>
+            <pc:sldMk cId="1338167130" sldId="317"/>
+            <ac:spMk id="5" creationId="{26FE066C-4884-3900-274F-D84025F6A4BD}"/>
+          </ac:spMkLst>
+        </pc:spChg>
+        <pc:spChg chg="add mod">
+          <ac:chgData name="aakriti parajuli" userId="38081afc37ecc0b9" providerId="LiveId" clId="{9327C59D-7A01-4345-ACB7-CC605A750186}" dt="2024-10-02T04:49:07.262" v="757" actId="2711"/>
+          <ac:spMkLst>
+            <pc:docMk/>
+            <pc:sldMk cId="1338167130" sldId="317"/>
+            <ac:spMk id="6" creationId="{FFF6EFDD-9770-4658-8DF1-461FE0F148F8}"/>
           </ac:spMkLst>
         </pc:spChg>
         <pc:picChg chg="del">
@@ -377,7 +465,7 @@
           </ac:picMkLst>
         </pc:picChg>
         <pc:picChg chg="add mod">
-          <ac:chgData name="aakriti parajuli" userId="38081afc37ecc0b9" providerId="LiveId" clId="{9327C59D-7A01-4345-ACB7-CC605A750186}" dt="2024-10-01T22:46:57.436" v="62" actId="1076"/>
+          <ac:chgData name="aakriti parajuli" userId="38081afc37ecc0b9" providerId="LiveId" clId="{9327C59D-7A01-4345-ACB7-CC605A750186}" dt="2024-10-02T04:44:54.694" v="692" actId="1076"/>
           <ac:picMkLst>
             <pc:docMk/>
             <pc:sldMk cId="1338167130" sldId="317"/>
@@ -1538,7 +1626,7 @@
           <p:cNvPr id="5" name="Footer Placeholder 4">
             <a:extLst>
               <a:ext uri="{FF2B5EF4-FFF2-40B4-BE49-F238E27FC236}">
-                <a16:creationId xmlns:a16="http://schemas.microsoft.com/office/drawing/2014/main" id="{CB8CDB0F-FB86-2A8F-D864-A7A5FD2FAF9A}"/>
+                <a16:creationId xmlns:a16="http://schemas.microsoft.com/office/drawing/2014/main" id="{05637577-8A77-D2A9-CB5F-BDC2C8582DDE}"/>
               </a:ext>
             </a:extLst>
           </p:cNvPr>
@@ -1561,7 +1649,7 @@
     </p:spTree>
     <p:extLst>
       <p:ext uri="{BB962C8B-B14F-4D97-AF65-F5344CB8AC3E}">
-        <p14:creationId xmlns:p14="http://schemas.microsoft.com/office/powerpoint/2010/main" val="2308133455"/>
+        <p14:creationId xmlns:p14="http://schemas.microsoft.com/office/powerpoint/2010/main" val="1026281718"/>
       </p:ext>
     </p:extLst>
   </p:cSld>
@@ -1647,7 +1735,7 @@
           <p:cNvPr id="5" name="Footer Placeholder 4">
             <a:extLst>
               <a:ext uri="{FF2B5EF4-FFF2-40B4-BE49-F238E27FC236}">
-                <a16:creationId xmlns:a16="http://schemas.microsoft.com/office/drawing/2014/main" id="{05637577-8A77-D2A9-CB5F-BDC2C8582DDE}"/>
+                <a16:creationId xmlns:a16="http://schemas.microsoft.com/office/drawing/2014/main" id="{CB8CDB0F-FB86-2A8F-D864-A7A5FD2FAF9A}"/>
               </a:ext>
             </a:extLst>
           </p:cNvPr>
@@ -1670,7 +1758,7 @@
     </p:spTree>
     <p:extLst>
       <p:ext uri="{BB962C8B-B14F-4D97-AF65-F5344CB8AC3E}">
-        <p14:creationId xmlns:p14="http://schemas.microsoft.com/office/powerpoint/2010/main" val="1026281718"/>
+        <p14:creationId xmlns:p14="http://schemas.microsoft.com/office/powerpoint/2010/main" val="2308133455"/>
       </p:ext>
     </p:extLst>
   </p:cSld>
@@ -1931,7 +2019,7 @@
                 <a16:creationId xmlns:a16="http://schemas.microsoft.com/office/drawing/2014/main" id="{4D792B1F-855B-FC83-1023-94C0976E9848}"/>
               </a:ext>
               <a:ext uri="{C183D7F6-B498-43B3-948B-1728B52AA6E4}">
-                <adec:decorative xmlns:adec="http://schemas.microsoft.com/office/drawing/2017/decorative" xmlns="" val="1"/>
+                <adec:decorative xmlns:adec="http://schemas.microsoft.com/office/drawing/2017/decorative" val="1"/>
               </a:ext>
             </a:extLst>
           </p:cNvPr>
@@ -2133,7 +2221,7 @@
                 <a16:creationId xmlns:a16="http://schemas.microsoft.com/office/drawing/2014/main" id="{EF359D7C-AC03-77FE-CA1D-B96B46B08D16}"/>
               </a:ext>
               <a:ext uri="{C183D7F6-B498-43B3-948B-1728B52AA6E4}">
-                <adec:decorative xmlns:adec="http://schemas.microsoft.com/office/drawing/2017/decorative" xmlns="" val="1"/>
+                <adec:decorative xmlns:adec="http://schemas.microsoft.com/office/drawing/2017/decorative" val="1"/>
               </a:ext>
             </a:extLst>
           </p:cNvPr>
@@ -2463,7 +2551,7 @@
                 <a16:creationId xmlns:a16="http://schemas.microsoft.com/office/drawing/2014/main" id="{C9AA487F-3729-4692-1A21-35558A2D840B}"/>
               </a:ext>
               <a:ext uri="{C183D7F6-B498-43B3-948B-1728B52AA6E4}">
-                <adec:decorative xmlns:adec="http://schemas.microsoft.com/office/drawing/2017/decorative" xmlns="" val="1"/>
+                <adec:decorative xmlns:adec="http://schemas.microsoft.com/office/drawing/2017/decorative" val="1"/>
               </a:ext>
             </a:extLst>
           </p:cNvPr>
@@ -2588,7 +2676,7 @@
                 <a16:creationId xmlns:a16="http://schemas.microsoft.com/office/drawing/2014/main" id="{84B8E19A-569B-855B-EBF8-C02F2998ABC8}"/>
               </a:ext>
               <a:ext uri="{C183D7F6-B498-43B3-948B-1728B52AA6E4}">
-                <adec:decorative xmlns:adec="http://schemas.microsoft.com/office/drawing/2017/decorative" xmlns="" val="1"/>
+                <adec:decorative xmlns:adec="http://schemas.microsoft.com/office/drawing/2017/decorative" val="1"/>
               </a:ext>
             </a:extLst>
           </p:cNvPr>
@@ -5298,7 +5386,7 @@
                 <a16:creationId xmlns:a16="http://schemas.microsoft.com/office/drawing/2014/main" id="{4A781A8E-199F-1F48-C80E-B6501B563323}"/>
               </a:ext>
               <a:ext uri="{C183D7F6-B498-43B3-948B-1728B52AA6E4}">
-                <adec:decorative xmlns:adec="http://schemas.microsoft.com/office/drawing/2017/decorative" xmlns="" val="1"/>
+                <adec:decorative xmlns:adec="http://schemas.microsoft.com/office/drawing/2017/decorative" val="1"/>
               </a:ext>
             </a:extLst>
           </p:cNvPr>
@@ -5422,7 +5510,7 @@
                 <a16:creationId xmlns:a16="http://schemas.microsoft.com/office/drawing/2014/main" id="{11C6679A-1B60-DCCD-7295-255649B92C60}"/>
               </a:ext>
               <a:ext uri="{C183D7F6-B498-43B3-948B-1728B52AA6E4}">
-                <adec:decorative xmlns:adec="http://schemas.microsoft.com/office/drawing/2017/decorative" xmlns="" val="1"/>
+                <adec:decorative xmlns:adec="http://schemas.microsoft.com/office/drawing/2017/decorative" val="1"/>
               </a:ext>
             </a:extLst>
           </p:cNvPr>
@@ -5680,7 +5768,7 @@
                 <a16:creationId xmlns:a16="http://schemas.microsoft.com/office/drawing/2014/main" id="{1C466053-4CA7-4CBB-C1D2-19FE899BEDFC}"/>
               </a:ext>
               <a:ext uri="{C183D7F6-B498-43B3-948B-1728B52AA6E4}">
-                <adec:decorative xmlns:adec="http://schemas.microsoft.com/office/drawing/2017/decorative" xmlns="" val="1"/>
+                <adec:decorative xmlns:adec="http://schemas.microsoft.com/office/drawing/2017/decorative" val="1"/>
               </a:ext>
             </a:extLst>
           </p:cNvPr>
@@ -6699,7 +6787,7 @@
                 <a16:creationId xmlns:a16="http://schemas.microsoft.com/office/drawing/2014/main" id="{1100480F-88D3-CF82-FAF8-9527C86BCAE2}"/>
               </a:ext>
               <a:ext uri="{C183D7F6-B498-43B3-948B-1728B52AA6E4}">
-                <adec:decorative xmlns:adec="http://schemas.microsoft.com/office/drawing/2017/decorative" xmlns="" val="1"/>
+                <adec:decorative xmlns:adec="http://schemas.microsoft.com/office/drawing/2017/decorative" val="1"/>
               </a:ext>
             </a:extLst>
           </p:cNvPr>
@@ -7099,7 +7187,7 @@
                 <a16:creationId xmlns:a16="http://schemas.microsoft.com/office/drawing/2014/main" id="{B05A86D8-26B0-1ADB-0CE2-B445D2A2866D}"/>
               </a:ext>
               <a:ext uri="{C183D7F6-B498-43B3-948B-1728B52AA6E4}">
-                <adec:decorative xmlns:adec="http://schemas.microsoft.com/office/drawing/2017/decorative" xmlns="" val="1"/>
+                <adec:decorative xmlns:adec="http://schemas.microsoft.com/office/drawing/2017/decorative" val="1"/>
               </a:ext>
             </a:extLst>
           </p:cNvPr>
@@ -7232,7 +7320,7 @@
                 <a16:creationId xmlns:a16="http://schemas.microsoft.com/office/drawing/2014/main" id="{33A68E8B-64DF-46D3-2FA2-4BBBBF8BFB15}"/>
               </a:ext>
               <a:ext uri="{C183D7F6-B498-43B3-948B-1728B52AA6E4}">
-                <adec:decorative xmlns:adec="http://schemas.microsoft.com/office/drawing/2017/decorative" xmlns="" val="1"/>
+                <adec:decorative xmlns:adec="http://schemas.microsoft.com/office/drawing/2017/decorative" val="1"/>
               </a:ext>
             </a:extLst>
           </p:cNvPr>
@@ -7871,7 +7959,7 @@
                 <a16:creationId xmlns:a16="http://schemas.microsoft.com/office/drawing/2014/main" id="{CADEA8BB-3550-ABDA-99A6-455084D5D432}"/>
               </a:ext>
               <a:ext uri="{C183D7F6-B498-43B3-948B-1728B52AA6E4}">
-                <adec:decorative xmlns:adec="http://schemas.microsoft.com/office/drawing/2017/decorative" xmlns="" val="1"/>
+                <adec:decorative xmlns:adec="http://schemas.microsoft.com/office/drawing/2017/decorative" val="1"/>
               </a:ext>
             </a:extLst>
           </p:cNvPr>
@@ -8064,7 +8152,7 @@
                 <a16:creationId xmlns:a16="http://schemas.microsoft.com/office/drawing/2014/main" id="{F0A8F0DB-3D3D-DC0F-84AC-4386B58AD6E5}"/>
               </a:ext>
               <a:ext uri="{C183D7F6-B498-43B3-948B-1728B52AA6E4}">
-                <adec:decorative xmlns:adec="http://schemas.microsoft.com/office/drawing/2017/decorative" xmlns="" val="1"/>
+                <adec:decorative xmlns:adec="http://schemas.microsoft.com/office/drawing/2017/decorative" val="1"/>
               </a:ext>
             </a:extLst>
           </p:cNvPr>
@@ -8354,7 +8442,7 @@
                 <a16:creationId xmlns:a16="http://schemas.microsoft.com/office/drawing/2014/main" id="{686C03E6-655F-A394-4461-7BC878C418BB}"/>
               </a:ext>
               <a:ext uri="{C183D7F6-B498-43B3-948B-1728B52AA6E4}">
-                <adec:decorative xmlns:adec="http://schemas.microsoft.com/office/drawing/2017/decorative" xmlns="" val="1"/>
+                <adec:decorative xmlns:adec="http://schemas.microsoft.com/office/drawing/2017/decorative" val="1"/>
               </a:ext>
             </a:extLst>
           </p:cNvPr>
@@ -8518,7 +8606,7 @@
                 <a16:creationId xmlns:a16="http://schemas.microsoft.com/office/drawing/2014/main" id="{BF7A62BA-11D3-585A-8CBD-5E0FB4DE522D}"/>
               </a:ext>
               <a:ext uri="{C183D7F6-B498-43B3-948B-1728B52AA6E4}">
-                <adec:decorative xmlns:adec="http://schemas.microsoft.com/office/drawing/2017/decorative" xmlns="" val="1"/>
+                <adec:decorative xmlns:adec="http://schemas.microsoft.com/office/drawing/2017/decorative" val="1"/>
               </a:ext>
             </a:extLst>
           </p:cNvPr>
@@ -9732,7 +9820,7 @@
                 <a16:creationId xmlns:a16="http://schemas.microsoft.com/office/drawing/2014/main" id="{8E1AE81E-772F-B009-AF15-C0FC060518A7}"/>
               </a:ext>
               <a:ext uri="{C183D7F6-B498-43B3-948B-1728B52AA6E4}">
-                <adec:decorative xmlns:adec="http://schemas.microsoft.com/office/drawing/2017/decorative" xmlns="" val="1"/>
+                <adec:decorative xmlns:adec="http://schemas.microsoft.com/office/drawing/2017/decorative" val="1"/>
               </a:ext>
             </a:extLst>
           </p:cNvPr>
@@ -10240,7 +10328,7 @@
                 <a16:creationId xmlns:a16="http://schemas.microsoft.com/office/drawing/2014/main" id="{ADCC72F6-C144-5508-40C5-E1B3FC085B94}"/>
               </a:ext>
               <a:ext uri="{C183D7F6-B498-43B3-948B-1728B52AA6E4}">
-                <adec:decorative xmlns:adec="http://schemas.microsoft.com/office/drawing/2017/decorative" xmlns="" val="1"/>
+                <adec:decorative xmlns:adec="http://schemas.microsoft.com/office/drawing/2017/decorative" val="1"/>
               </a:ext>
             </a:extLst>
           </p:cNvPr>
@@ -10263,7 +10351,7 @@
                   <a16:creationId xmlns:a16="http://schemas.microsoft.com/office/drawing/2014/main" id="{FF76D2EA-2C6E-B0B2-DC0D-F9EF636E5856}"/>
                 </a:ext>
                 <a:ext uri="{C183D7F6-B498-43B3-948B-1728B52AA6E4}">
-                  <adec:decorative xmlns:adec="http://schemas.microsoft.com/office/drawing/2017/decorative" xmlns="" val="1"/>
+                  <adec:decorative xmlns:adec="http://schemas.microsoft.com/office/drawing/2017/decorative" val="1"/>
                 </a:ext>
               </a:extLst>
             </p:cNvPr>
@@ -10487,7 +10575,7 @@
                   <a16:creationId xmlns:a16="http://schemas.microsoft.com/office/drawing/2014/main" id="{90315871-F40F-D512-8E3F-B40F36BD4224}"/>
                 </a:ext>
                 <a:ext uri="{C183D7F6-B498-43B3-948B-1728B52AA6E4}">
-                  <adec:decorative xmlns:adec="http://schemas.microsoft.com/office/drawing/2017/decorative" xmlns="" val="1"/>
+                  <adec:decorative xmlns:adec="http://schemas.microsoft.com/office/drawing/2017/decorative" val="1"/>
                 </a:ext>
               </a:extLst>
             </p:cNvPr>
@@ -10688,7 +10776,7 @@
                 <a16:creationId xmlns:a16="http://schemas.microsoft.com/office/drawing/2014/main" id="{10C11C1A-EFCF-278A-D083-93F07D4DEA67}"/>
               </a:ext>
               <a:ext uri="{C183D7F6-B498-43B3-948B-1728B52AA6E4}">
-                <adec:decorative xmlns:adec="http://schemas.microsoft.com/office/drawing/2017/decorative" xmlns="" val="1"/>
+                <adec:decorative xmlns:adec="http://schemas.microsoft.com/office/drawing/2017/decorative" val="1"/>
               </a:ext>
             </a:extLst>
           </p:cNvPr>
@@ -11971,7 +12059,7 @@
                 <a16:creationId xmlns:a16="http://schemas.microsoft.com/office/drawing/2014/main" id="{941984E2-3225-05D3-3A3D-9D5F5840ED60}"/>
               </a:ext>
               <a:ext uri="{C183D7F6-B498-43B3-948B-1728B52AA6E4}">
-                <adec:decorative xmlns:adec="http://schemas.microsoft.com/office/drawing/2017/decorative" xmlns="" val="1"/>
+                <adec:decorative xmlns:adec="http://schemas.microsoft.com/office/drawing/2017/decorative" val="1"/>
               </a:ext>
             </a:extLst>
           </p:cNvPr>
@@ -12144,7 +12232,7 @@
                 <a16:creationId xmlns:a16="http://schemas.microsoft.com/office/drawing/2014/main" id="{070813B7-403A-9A3E-5E5C-44C1680DE4C3}"/>
               </a:ext>
               <a:ext uri="{C183D7F6-B498-43B3-948B-1728B52AA6E4}">
-                <adec:decorative xmlns:adec="http://schemas.microsoft.com/office/drawing/2017/decorative" xmlns="" val="1"/>
+                <adec:decorative xmlns:adec="http://schemas.microsoft.com/office/drawing/2017/decorative" val="1"/>
               </a:ext>
             </a:extLst>
           </p:cNvPr>
@@ -13298,7 +13386,7 @@
                 <a16:creationId xmlns:a16="http://schemas.microsoft.com/office/drawing/2014/main" id="{7A7BB3C1-4B05-D5B3-C61C-1CD390CEEF2B}"/>
               </a:ext>
               <a:ext uri="{C183D7F6-B498-43B3-948B-1728B52AA6E4}">
-                <adec:decorative xmlns:adec="http://schemas.microsoft.com/office/drawing/2017/decorative" xmlns="" val="1"/>
+                <adec:decorative xmlns:adec="http://schemas.microsoft.com/office/drawing/2017/decorative" val="1"/>
               </a:ext>
             </a:extLst>
           </p:cNvPr>
@@ -13522,7 +13610,7 @@
                 <a16:creationId xmlns:a16="http://schemas.microsoft.com/office/drawing/2014/main" id="{CE6955A7-F39A-1FBB-FF32-C6F0E3289273}"/>
               </a:ext>
               <a:ext uri="{C183D7F6-B498-43B3-948B-1728B52AA6E4}">
-                <adec:decorative xmlns:adec="http://schemas.microsoft.com/office/drawing/2017/decorative" xmlns="" val="1"/>
+                <adec:decorative xmlns:adec="http://schemas.microsoft.com/office/drawing/2017/decorative" val="1"/>
               </a:ext>
             </a:extLst>
           </p:cNvPr>
@@ -13952,7 +14040,7 @@
                 <a16:creationId xmlns:a16="http://schemas.microsoft.com/office/drawing/2014/main" id="{B5ED90D1-D640-D115-6711-35DE812FC014}"/>
               </a:ext>
               <a:ext uri="{C183D7F6-B498-43B3-948B-1728B52AA6E4}">
-                <adec:decorative xmlns:adec="http://schemas.microsoft.com/office/drawing/2017/decorative" xmlns="" val="1"/>
+                <adec:decorative xmlns:adec="http://schemas.microsoft.com/office/drawing/2017/decorative" val="1"/>
               </a:ext>
             </a:extLst>
           </p:cNvPr>
@@ -13986,7 +14074,7 @@
                 <a16:creationId xmlns:a16="http://schemas.microsoft.com/office/drawing/2014/main" id="{F8D9EAE4-01F5-6C99-C91E-BF0FD0CD1CEF}"/>
               </a:ext>
               <a:ext uri="{C183D7F6-B498-43B3-948B-1728B52AA6E4}">
-                <adec:decorative xmlns:adec="http://schemas.microsoft.com/office/drawing/2017/decorative" xmlns="" val="1"/>
+                <adec:decorative xmlns:adec="http://schemas.microsoft.com/office/drawing/2017/decorative" val="1"/>
               </a:ext>
             </a:extLst>
           </p:cNvPr>
@@ -14429,7 +14517,7 @@
                 <a16:creationId xmlns:a16="http://schemas.microsoft.com/office/drawing/2014/main" id="{D24A04BE-9BA3-80DD-EE68-A8B8BA08532B}"/>
               </a:ext>
               <a:ext uri="{C183D7F6-B498-43B3-948B-1728B52AA6E4}">
-                <adec:decorative xmlns:adec="http://schemas.microsoft.com/office/drawing/2017/decorative" xmlns="" val="1"/>
+                <adec:decorative xmlns:adec="http://schemas.microsoft.com/office/drawing/2017/decorative" val="1"/>
               </a:ext>
             </a:extLst>
           </p:cNvPr>
@@ -14587,7 +14675,7 @@
                 <a16:creationId xmlns:a16="http://schemas.microsoft.com/office/drawing/2014/main" id="{9E4F6A04-3331-D4C7-3EAE-0F69B48A7C71}"/>
               </a:ext>
               <a:ext uri="{C183D7F6-B498-43B3-948B-1728B52AA6E4}">
-                <adec:decorative xmlns:adec="http://schemas.microsoft.com/office/drawing/2017/decorative" xmlns="" val="1"/>
+                <adec:decorative xmlns:adec="http://schemas.microsoft.com/office/drawing/2017/decorative" val="1"/>
               </a:ext>
             </a:extLst>
           </p:cNvPr>
@@ -14771,7 +14859,7 @@
                 <a16:creationId xmlns:a16="http://schemas.microsoft.com/office/drawing/2014/main" id="{0587ACFB-02E0-79F1-D5B0-E8B18598D688}"/>
               </a:ext>
               <a:ext uri="{C183D7F6-B498-43B3-948B-1728B52AA6E4}">
-                <adec:decorative xmlns:adec="http://schemas.microsoft.com/office/drawing/2017/decorative" xmlns="" val="1"/>
+                <adec:decorative xmlns:adec="http://schemas.microsoft.com/office/drawing/2017/decorative" val="1"/>
               </a:ext>
             </a:extLst>
           </p:cNvPr>
@@ -15321,7 +15409,7 @@
                 <a16:creationId xmlns:a16="http://schemas.microsoft.com/office/drawing/2014/main" id="{98639877-C4A6-4E44-C600-FE3C6CD5F187}"/>
               </a:ext>
               <a:ext uri="{C183D7F6-B498-43B3-948B-1728B52AA6E4}">
-                <adec:decorative xmlns:adec="http://schemas.microsoft.com/office/drawing/2017/decorative" xmlns="" val="1"/>
+                <adec:decorative xmlns:adec="http://schemas.microsoft.com/office/drawing/2017/decorative" val="1"/>
               </a:ext>
             </a:extLst>
           </p:cNvPr>
@@ -15344,7 +15432,7 @@
                   <a16:creationId xmlns:a16="http://schemas.microsoft.com/office/drawing/2014/main" id="{F0439AA5-A7EE-A20E-BB67-D356776D0B21}"/>
                 </a:ext>
                 <a:ext uri="{C183D7F6-B498-43B3-948B-1728B52AA6E4}">
-                  <adec:decorative xmlns:adec="http://schemas.microsoft.com/office/drawing/2017/decorative" xmlns="" val="1"/>
+                  <adec:decorative xmlns:adec="http://schemas.microsoft.com/office/drawing/2017/decorative" val="1"/>
                 </a:ext>
               </a:extLst>
             </p:cNvPr>
@@ -15568,7 +15656,7 @@
                   <a16:creationId xmlns:a16="http://schemas.microsoft.com/office/drawing/2014/main" id="{39E752F7-61F0-6779-9E8E-3541BFF7D2CF}"/>
                 </a:ext>
                 <a:ext uri="{C183D7F6-B498-43B3-948B-1728B52AA6E4}">
-                  <adec:decorative xmlns:adec="http://schemas.microsoft.com/office/drawing/2017/decorative" xmlns="" val="1"/>
+                  <adec:decorative xmlns:adec="http://schemas.microsoft.com/office/drawing/2017/decorative" val="1"/>
                 </a:ext>
               </a:extLst>
             </p:cNvPr>
@@ -15806,7 +15894,7 @@
                 <a16:creationId xmlns:a16="http://schemas.microsoft.com/office/drawing/2014/main" id="{6FD0E545-8D0D-B848-836A-23CEBCD6B0A5}"/>
               </a:ext>
               <a:ext uri="{C183D7F6-B498-43B3-948B-1728B52AA6E4}">
-                <adec:decorative xmlns:adec="http://schemas.microsoft.com/office/drawing/2017/decorative" xmlns="" val="1"/>
+                <adec:decorative xmlns:adec="http://schemas.microsoft.com/office/drawing/2017/decorative" val="1"/>
               </a:ext>
             </a:extLst>
           </p:cNvPr>
@@ -15911,7 +15999,7 @@
                 <a16:creationId xmlns:a16="http://schemas.microsoft.com/office/drawing/2014/main" id="{7114E853-6F7C-9899-77FD-0E77D0A86207}"/>
               </a:ext>
               <a:ext uri="{C183D7F6-B498-43B3-948B-1728B52AA6E4}">
-                <adec:decorative xmlns:adec="http://schemas.microsoft.com/office/drawing/2017/decorative" xmlns="" val="1"/>
+                <adec:decorative xmlns:adec="http://schemas.microsoft.com/office/drawing/2017/decorative" val="1"/>
               </a:ext>
             </a:extLst>
           </p:cNvPr>
@@ -16925,7 +17013,7 @@
                 <a16:creationId xmlns:a16="http://schemas.microsoft.com/office/drawing/2014/main" id="{69002426-033B-400A-C519-AF4C659C4F05}"/>
               </a:ext>
               <a:ext uri="{C183D7F6-B498-43B3-948B-1728B52AA6E4}">
-                <adec:decorative xmlns:adec="http://schemas.microsoft.com/office/drawing/2017/decorative" xmlns="" val="1"/>
+                <adec:decorative xmlns:adec="http://schemas.microsoft.com/office/drawing/2017/decorative" val="1"/>
               </a:ext>
             </a:extLst>
           </p:cNvPr>
@@ -17216,7 +17304,7 @@
                 <a16:creationId xmlns:a16="http://schemas.microsoft.com/office/drawing/2014/main" id="{90FA743D-BDB5-4069-7325-E91CA7BC3ED7}"/>
               </a:ext>
               <a:ext uri="{C183D7F6-B498-43B3-948B-1728B52AA6E4}">
-                <adec:decorative xmlns:adec="http://schemas.microsoft.com/office/drawing/2017/decorative" xmlns="" val="1"/>
+                <adec:decorative xmlns:adec="http://schemas.microsoft.com/office/drawing/2017/decorative" val="1"/>
               </a:ext>
             </a:extLst>
           </p:cNvPr>
@@ -17340,7 +17428,7 @@
                 <a16:creationId xmlns:a16="http://schemas.microsoft.com/office/drawing/2014/main" id="{2FE03F25-D589-68A8-30C7-175547B6A9EE}"/>
               </a:ext>
               <a:ext uri="{C183D7F6-B498-43B3-948B-1728B52AA6E4}">
-                <adec:decorative xmlns:adec="http://schemas.microsoft.com/office/drawing/2017/decorative" xmlns="" val="1"/>
+                <adec:decorative xmlns:adec="http://schemas.microsoft.com/office/drawing/2017/decorative" val="1"/>
               </a:ext>
             </a:extLst>
           </p:cNvPr>
@@ -19653,7 +19741,7 @@
                 <a16:creationId xmlns:a16="http://schemas.microsoft.com/office/drawing/2014/main" id="{7CB19B63-2AAF-E86D-D7F1-B659DB36B5AC}"/>
               </a:ext>
               <a:ext uri="{C183D7F6-B498-43B3-948B-1728B52AA6E4}">
-                <adec:decorative xmlns:adec="http://schemas.microsoft.com/office/drawing/2017/decorative" xmlns="" val="1"/>
+                <adec:decorative xmlns:adec="http://schemas.microsoft.com/office/drawing/2017/decorative" val="1"/>
               </a:ext>
             </a:extLst>
           </p:cNvPr>
@@ -19667,7 +19755,7 @@
             <a:alphaModFix/>
             <a:extLst>
               <a:ext uri="{96DAC541-7B7A-43D3-8B79-37D633B846F1}">
-                <asvg:svgBlip xmlns:asvg="http://schemas.microsoft.com/office/drawing/2016/SVG/main" xmlns="" r:embed="rId3"/>
+                <asvg:svgBlip xmlns:asvg="http://schemas.microsoft.com/office/drawing/2016/SVG/main" r:embed="rId3"/>
               </a:ext>
             </a:extLst>
           </a:blip>
@@ -19737,7 +19825,7 @@
                 <a16:creationId xmlns:a16="http://schemas.microsoft.com/office/drawing/2014/main" id="{83712F38-4391-A499-56E2-8F095A506D08}"/>
               </a:ext>
               <a:ext uri="{C183D7F6-B498-43B3-948B-1728B52AA6E4}">
-                <adec:decorative xmlns:adec="http://schemas.microsoft.com/office/drawing/2017/decorative" xmlns="" val="1"/>
+                <adec:decorative xmlns:adec="http://schemas.microsoft.com/office/drawing/2017/decorative" val="1"/>
               </a:ext>
             </a:extLst>
           </p:cNvPr>
@@ -21326,7 +21414,7 @@
                 <a16:creationId xmlns:a16="http://schemas.microsoft.com/office/drawing/2014/main" id="{A3F1B258-8FBC-06A8-3A1F-466CEEDBBEF2}"/>
               </a:ext>
               <a:ext uri="{C183D7F6-B498-43B3-948B-1728B52AA6E4}">
-                <adec:decorative xmlns:adec="http://schemas.microsoft.com/office/drawing/2017/decorative" xmlns="" val="1"/>
+                <adec:decorative xmlns:adec="http://schemas.microsoft.com/office/drawing/2017/decorative" val="1"/>
               </a:ext>
             </a:extLst>
           </p:cNvPr>
@@ -22262,7 +22350,7 @@
                 <a16:creationId xmlns:a16="http://schemas.microsoft.com/office/drawing/2014/main" id="{8BAD4AF0-64CE-5C0E-5440-00F8FC6B3194}"/>
               </a:ext>
               <a:ext uri="{C183D7F6-B498-43B3-948B-1728B52AA6E4}">
-                <adec:decorative xmlns:adec="http://schemas.microsoft.com/office/drawing/2017/decorative" xmlns="" val="1"/>
+                <adec:decorative xmlns:adec="http://schemas.microsoft.com/office/drawing/2017/decorative" val="1"/>
               </a:ext>
             </a:extLst>
           </p:cNvPr>
@@ -22527,7 +22615,7 @@
                 <a16:creationId xmlns:a16="http://schemas.microsoft.com/office/drawing/2014/main" id="{7DCD020E-88CF-303D-F947-8EE980AC8093}"/>
               </a:ext>
               <a:ext uri="{C183D7F6-B498-43B3-948B-1728B52AA6E4}">
-                <adec:decorative xmlns:adec="http://schemas.microsoft.com/office/drawing/2017/decorative" xmlns="" val="1"/>
+                <adec:decorative xmlns:adec="http://schemas.microsoft.com/office/drawing/2017/decorative" val="1"/>
               </a:ext>
             </a:extLst>
           </p:cNvPr>
@@ -24900,7 +24988,7 @@
                 <a16:creationId xmlns:a16="http://schemas.microsoft.com/office/drawing/2014/main" id="{EB31668E-263B-8FB1-9DBB-25F22BB441B3}"/>
               </a:ext>
               <a:ext uri="{C183D7F6-B498-43B3-948B-1728B52AA6E4}">
-                <adec:decorative xmlns:adec="http://schemas.microsoft.com/office/drawing/2017/decorative" xmlns="" val="1"/>
+                <adec:decorative xmlns:adec="http://schemas.microsoft.com/office/drawing/2017/decorative" val="1"/>
               </a:ext>
             </a:extLst>
           </p:cNvPr>
@@ -25015,7 +25103,7 @@
                 <a16:creationId xmlns:a16="http://schemas.microsoft.com/office/drawing/2014/main" id="{0972DA96-A413-EF87-50D3-D8EF54FD9F55}"/>
               </a:ext>
               <a:ext uri="{C183D7F6-B498-43B3-948B-1728B52AA6E4}">
-                <adec:decorative xmlns:adec="http://schemas.microsoft.com/office/drawing/2017/decorative" xmlns="" val="1"/>
+                <adec:decorative xmlns:adec="http://schemas.microsoft.com/office/drawing/2017/decorative" val="1"/>
               </a:ext>
             </a:extLst>
           </p:cNvPr>
@@ -27859,8 +27947,8 @@
         </p:blipFill>
         <p:spPr bwMode="auto">
           <a:xfrm>
-            <a:off x="5542459" y="2216686"/>
-            <a:ext cx="3932047" cy="2667000"/>
+            <a:off x="9287219" y="147359"/>
+            <a:ext cx="2662410" cy="1805840"/>
           </a:xfrm>
           <a:prstGeom prst="rect">
             <a:avLst/>
@@ -27909,6 +27997,121 @@
           </a:p>
         </p:txBody>
       </p:sp>
+      <p:sp>
+        <p:nvSpPr>
+          <p:cNvPr id="2" name="TextBox 1">
+            <a:extLst>
+              <a:ext uri="{FF2B5EF4-FFF2-40B4-BE49-F238E27FC236}">
+                <a16:creationId xmlns:a16="http://schemas.microsoft.com/office/drawing/2014/main" id="{D72FD935-5626-10EB-E41F-D5A92003424A}"/>
+              </a:ext>
+            </a:extLst>
+          </p:cNvPr>
+          <p:cNvSpPr txBox="1"/>
+          <p:nvPr/>
+        </p:nvSpPr>
+        <p:spPr>
+          <a:xfrm>
+            <a:off x="870333" y="4979624"/>
+            <a:ext cx="2655065" cy="1200329"/>
+          </a:xfrm>
+          <a:prstGeom prst="rect">
+            <a:avLst/>
+          </a:prstGeom>
+          <a:noFill/>
+        </p:spPr>
+        <p:txBody>
+          <a:bodyPr wrap="square" rtlCol="0">
+            <a:spAutoFit/>
+          </a:bodyPr>
+          <a:lstStyle/>
+          <a:p>
+            <a:pPr marL="285750" indent="-285750">
+              <a:buFont typeface="Arial" panose="020B0604020202020204" pitchFamily="34" charset="0"/>
+              <a:buChar char="•"/>
+            </a:pPr>
+            <a:r>
+              <a:rPr lang="en-US" dirty="0"/>
+              <a:t>Aakriti Parajuli</a:t>
+            </a:r>
+          </a:p>
+          <a:p>
+            <a:pPr marL="285750" indent="-285750">
+              <a:buFont typeface="Arial" panose="020B0604020202020204" pitchFamily="34" charset="0"/>
+              <a:buChar char="•"/>
+            </a:pPr>
+            <a:r>
+              <a:rPr lang="en-US" dirty="0"/>
+              <a:t>Rebecca Ghimire</a:t>
+            </a:r>
+          </a:p>
+          <a:p>
+            <a:pPr marL="285750" indent="-285750">
+              <a:buFont typeface="Arial" panose="020B0604020202020204" pitchFamily="34" charset="0"/>
+              <a:buChar char="•"/>
+            </a:pPr>
+            <a:r>
+              <a:rPr lang="en-US" dirty="0" err="1"/>
+              <a:t>Sambhawi</a:t>
+            </a:r>
+            <a:r>
+              <a:rPr lang="en-US" dirty="0"/>
+              <a:t> </a:t>
+            </a:r>
+            <a:r>
+              <a:rPr lang="en-US" dirty="0" err="1"/>
+              <a:t>Baral</a:t>
+            </a:r>
+            <a:endParaRPr lang="en-US" dirty="0"/>
+          </a:p>
+          <a:p>
+            <a:pPr marL="285750" indent="-285750">
+              <a:buFont typeface="Arial" panose="020B0604020202020204" pitchFamily="34" charset="0"/>
+              <a:buChar char="•"/>
+            </a:pPr>
+            <a:endParaRPr lang="en-US" dirty="0"/>
+          </a:p>
+        </p:txBody>
+      </p:sp>
+      <p:sp>
+        <p:nvSpPr>
+          <p:cNvPr id="6" name="TextBox 5">
+            <a:extLst>
+              <a:ext uri="{FF2B5EF4-FFF2-40B4-BE49-F238E27FC236}">
+                <a16:creationId xmlns:a16="http://schemas.microsoft.com/office/drawing/2014/main" id="{FFF6EFDD-9770-4658-8DF1-461FE0F148F8}"/>
+              </a:ext>
+            </a:extLst>
+          </p:cNvPr>
+          <p:cNvSpPr txBox="1"/>
+          <p:nvPr/>
+        </p:nvSpPr>
+        <p:spPr>
+          <a:xfrm>
+            <a:off x="5277079" y="2908452"/>
+            <a:ext cx="3573137" cy="830997"/>
+          </a:xfrm>
+          <a:prstGeom prst="rect">
+            <a:avLst/>
+          </a:prstGeom>
+          <a:noFill/>
+        </p:spPr>
+        <p:txBody>
+          <a:bodyPr wrap="square" rtlCol="0">
+            <a:spAutoFit/>
+          </a:bodyPr>
+          <a:lstStyle/>
+          <a:p>
+            <a:r>
+              <a:rPr lang="en-US" sz="4800" dirty="0" err="1">
+                <a:latin typeface="+mj-lt"/>
+              </a:rPr>
+              <a:t>BakeWise</a:t>
+            </a:r>
+            <a:endParaRPr lang="en-US" sz="4800" dirty="0">
+              <a:latin typeface="+mj-lt"/>
+            </a:endParaRPr>
+          </a:p>
+        </p:txBody>
+      </p:sp>
     </p:spTree>
     <p:extLst>
       <p:ext uri="{BB962C8B-B14F-4D97-AF65-F5344CB8AC3E}">
@@ -27919,13 +28122,13 @@
   <p:clrMapOvr>
     <a:masterClrMapping/>
   </p:clrMapOvr>
-  <mc:AlternateContent xmlns:mc="http://schemas.openxmlformats.org/markup-compatibility/2006">
-    <mc:Choice xmlns:p159="http://schemas.microsoft.com/office/powerpoint/2015/09/main" xmlns="" Requires="p159">
+  <mc:AlternateContent xmlns:mc="http://schemas.openxmlformats.org/markup-compatibility/2006" xmlns:p159="http://schemas.microsoft.com/office/powerpoint/2015/09/main">
+    <mc:Choice Requires="p159">
       <p:transition xmlns:p14="http://schemas.microsoft.com/office/powerpoint/2010/main" spd="slow" p14:dur="2000">
         <p159:morph option="byObject"/>
       </p:transition>
     </mc:Choice>
-    <mc:Fallback>
+    <mc:Fallback xmlns="">
       <p:transition spd="slow">
         <p:fade/>
       </p:transition>
@@ -28157,13 +28360,13 @@
   <p:clrMapOvr>
     <a:masterClrMapping/>
   </p:clrMapOvr>
-  <mc:AlternateContent xmlns:mc="http://schemas.openxmlformats.org/markup-compatibility/2006">
-    <mc:Choice xmlns:p159="http://schemas.microsoft.com/office/powerpoint/2015/09/main" xmlns="" Requires="p159">
+  <mc:AlternateContent xmlns:mc="http://schemas.openxmlformats.org/markup-compatibility/2006" xmlns:p159="http://schemas.microsoft.com/office/powerpoint/2015/09/main">
+    <mc:Choice Requires="p159">
       <p:transition xmlns:p14="http://schemas.microsoft.com/office/powerpoint/2010/main" spd="slow" p14:dur="2000">
         <p159:morph option="byObject"/>
       </p:transition>
     </mc:Choice>
-    <mc:Fallback>
+    <mc:Fallback xmlns="">
       <p:transition spd="slow">
         <p:fade/>
       </p:transition>
@@ -28326,14 +28529,14 @@
             <p:ph idx="1"/>
             <p:extLst>
               <p:ext uri="{D42A27DB-BD31-4B8C-83A1-F6EECF244321}">
-                <p14:modId xmlns:p14="http://schemas.microsoft.com/office/powerpoint/2010/main" val="3976284655"/>
+                <p14:modId xmlns:p14="http://schemas.microsoft.com/office/powerpoint/2010/main" val="2120577627"/>
               </p:ext>
             </p:extLst>
           </p:nvPr>
         </p:nvGraphicFramePr>
         <p:xfrm>
           <a:off x="7220056" y="174344"/>
-          <a:ext cx="4745371" cy="6126480"/>
+          <a:ext cx="4745371" cy="6115147"/>
         </p:xfrm>
         <a:graphic>
           <a:graphicData uri="http://schemas.openxmlformats.org/drawingml/2006/table">
@@ -28862,31 +29065,14 @@
                     <a:lstStyle/>
                     <a:p>
                       <a:pPr marL="0" algn="r" defTabSz="914400" rtl="0" eaLnBrk="1" latinLnBrk="0" hangingPunct="1"/>
-                      <a:r>
-                        <a:rPr lang="en-US" sz="2400" b="0" kern="1200" dirty="0">
-                          <a:solidFill>
-                            <a:schemeClr val="tx1"/>
-                          </a:solidFill>
-                          <a:latin typeface="+mn-lt"/>
-                          <a:ea typeface="+mn-ea"/>
-                          <a:cs typeface="+mn-cs"/>
-                        </a:rPr>
-                        <a:t>REFERENCES</a:t>
-                      </a:r>
-                    </a:p>
-                    <a:p>
-                      <a:pPr marL="0" algn="r" defTabSz="914400" rtl="0" eaLnBrk="1" latinLnBrk="0" hangingPunct="1"/>
-                      <a:r>
-                        <a:rPr lang="en-US" sz="2400" b="1" kern="1200" dirty="0">
-                          <a:solidFill>
-                            <a:schemeClr val="tx1"/>
-                          </a:solidFill>
-                          <a:latin typeface="+mn-lt"/>
-                          <a:ea typeface="+mn-ea"/>
-                          <a:cs typeface="+mn-cs"/>
-                        </a:rPr>
-                        <a:t>9</a:t>
-                      </a:r>
+                      <a:endParaRPr lang="en-US" sz="2400" b="1" kern="1200" dirty="0">
+                        <a:solidFill>
+                          <a:schemeClr val="tx1"/>
+                        </a:solidFill>
+                        <a:latin typeface="+mn-lt"/>
+                        <a:ea typeface="+mn-ea"/>
+                        <a:cs typeface="+mn-cs"/>
+                      </a:endParaRPr>
                     </a:p>
                   </a:txBody>
                   <a:tcPr anchor="b">
@@ -28941,13 +29127,13 @@
   <p:clrMapOvr>
     <a:masterClrMapping/>
   </p:clrMapOvr>
-  <mc:AlternateContent xmlns:mc="http://schemas.openxmlformats.org/markup-compatibility/2006">
-    <mc:Choice xmlns:p159="http://schemas.microsoft.com/office/powerpoint/2015/09/main" xmlns="" Requires="p159">
+  <mc:AlternateContent xmlns:mc="http://schemas.openxmlformats.org/markup-compatibility/2006" xmlns:p159="http://schemas.microsoft.com/office/powerpoint/2015/09/main">
+    <mc:Choice Requires="p159">
       <p:transition xmlns:p14="http://schemas.microsoft.com/office/powerpoint/2010/main" spd="slow" p14:dur="2000">
         <p159:morph option="byObject"/>
       </p:transition>
     </mc:Choice>
-    <mc:Fallback>
+    <mc:Fallback xmlns="">
       <p:transition spd="slow">
         <p:fade/>
       </p:transition>
@@ -29206,8 +29392,8 @@
         </p:nvSpPr>
         <p:spPr>
           <a:xfrm>
-            <a:off x="606175" y="2533453"/>
-            <a:ext cx="6865706" cy="2677656"/>
+            <a:off x="363804" y="2207071"/>
+            <a:ext cx="10895434" cy="3970318"/>
           </a:xfrm>
           <a:prstGeom prst="rect">
             <a:avLst/>
@@ -29219,6 +29405,17 @@
             <a:spAutoFit/>
           </a:bodyPr>
           <a:lstStyle/>
+          <a:p>
+            <a:pPr algn="just"/>
+            <a:r>
+              <a:rPr lang="en-US" sz="2800" dirty="0"/>
+              <a:t>A Bakery System Management platform is a valuable tool for bakery businesses looking to improve efficiency, enhance customer satisfaction and drive growth. Bakery System Management is the way of reducing the workload environment and enhancing the working system.</a:t>
+            </a:r>
+          </a:p>
+          <a:p>
+            <a:pPr algn="just"/>
+            <a:endParaRPr lang="en-US" sz="2800" dirty="0"/>
+          </a:p>
           <a:p>
             <a:pPr algn="just"/>
             <a:r>
@@ -29238,13 +29435,13 @@
   <p:clrMapOvr>
     <a:masterClrMapping/>
   </p:clrMapOvr>
-  <mc:AlternateContent xmlns:mc="http://schemas.openxmlformats.org/markup-compatibility/2006">
-    <mc:Choice xmlns:p159="http://schemas.microsoft.com/office/powerpoint/2015/09/main" xmlns="" Requires="p159">
+  <mc:AlternateContent xmlns:mc="http://schemas.openxmlformats.org/markup-compatibility/2006" xmlns:p159="http://schemas.microsoft.com/office/powerpoint/2015/09/main">
+    <mc:Choice Requires="p159">
       <p:transition xmlns:p14="http://schemas.microsoft.com/office/powerpoint/2010/main" spd="slow" p14:dur="2000">
         <p159:morph option="byObject"/>
       </p:transition>
     </mc:Choice>
-    <mc:Fallback>
+    <mc:Fallback xmlns="">
       <p:transition spd="slow">
         <p:fade/>
       </p:transition>
@@ -29538,23 +29735,13 @@
         </p:nvSpPr>
         <p:spPr>
           <a:xfrm>
-            <a:off x="5926356" y="1913593"/>
-            <a:ext cx="5449824" cy="4544054"/>
+            <a:off x="231213" y="2111897"/>
+            <a:ext cx="11061075" cy="4544054"/>
           </a:xfrm>
         </p:spPr>
         <p:txBody>
           <a:bodyPr/>
           <a:lstStyle/>
-          <a:p>
-            <a:pPr marL="457200" indent="-457200">
-              <a:buFont typeface="Arial" panose="020B0604020202020204" pitchFamily="34" charset="0"/>
-              <a:buChar char="•"/>
-            </a:pPr>
-            <a:r>
-              <a:rPr lang="en-US" dirty="0"/>
-              <a:t>Inventory Management Issues:</a:t>
-            </a:r>
-          </a:p>
           <a:p>
             <a:pPr marL="457200" indent="-457200">
               <a:buFont typeface="Arial" panose="020B0604020202020204" pitchFamily="34" charset="0"/>
@@ -29569,7 +29756,11 @@
             </a:pPr>
             <a:r>
               <a:rPr lang="en-US" dirty="0"/>
-              <a:t>Customer Service Challenges:</a:t>
+              <a:t>Customer Service Challenges: </a:t>
+            </a:r>
+            <a:r>
+              <a:rPr lang="en-US" cap="none" dirty="0"/>
+              <a:t>difficulty in managing in customer orders providing timely customer support and maintaining their satisfaction.</a:t>
             </a:r>
           </a:p>
           <a:p>
@@ -29580,13 +29771,17 @@
             <a:endParaRPr lang="en-US" dirty="0"/>
           </a:p>
           <a:p>
-            <a:pPr marL="457200" indent="-457200">
+            <a:pPr marL="342900" indent="-342900">
               <a:buFont typeface="Arial" panose="020B0604020202020204" pitchFamily="34" charset="0"/>
               <a:buChar char="•"/>
             </a:pPr>
             <a:r>
               <a:rPr lang="en-US" dirty="0"/>
-              <a:t>Limited Data Insight:</a:t>
+              <a:t>Poor navigation(Interface): </a:t>
+            </a:r>
+            <a:r>
+              <a:rPr lang="en-US" cap="none" dirty="0"/>
+              <a:t>user struggle to find their way around interface.</a:t>
             </a:r>
           </a:p>
           <a:p>
@@ -29599,7 +29794,11 @@
             </a:pPr>
             <a:r>
               <a:rPr lang="en-US" dirty="0"/>
-              <a:t>Inefficient Manual Operations:</a:t>
+              <a:t>Inefficient Manual Operations: </a:t>
+            </a:r>
+            <a:r>
+              <a:rPr lang="en-US" cap="none" dirty="0"/>
+              <a:t>time consuming and error prone manual processes for orders.</a:t>
             </a:r>
           </a:p>
           <a:p>
@@ -29628,13 +29827,13 @@
   <p:clrMapOvr>
     <a:masterClrMapping/>
   </p:clrMapOvr>
-  <mc:AlternateContent xmlns:mc="http://schemas.openxmlformats.org/markup-compatibility/2006">
-    <mc:Choice xmlns:p159="http://schemas.microsoft.com/office/powerpoint/2015/09/main" xmlns="" Requires="p159">
+  <mc:AlternateContent xmlns:mc="http://schemas.openxmlformats.org/markup-compatibility/2006" xmlns:p159="http://schemas.microsoft.com/office/powerpoint/2015/09/main">
+    <mc:Choice Requires="p159">
       <p:transition xmlns:p14="http://schemas.microsoft.com/office/powerpoint/2010/main" spd="slow" p14:dur="2000">
         <p159:morph option="byObject"/>
       </p:transition>
     </mc:Choice>
-    <mc:Fallback>
+    <mc:Fallback xmlns="">
       <p:transition spd="slow">
         <p:fade/>
       </p:transition>
@@ -29729,7 +29928,7 @@
                                         <p:tgtEl>
                                           <p:spTgt spid="16">
                                             <p:txEl>
-                                              <p:pRg st="0" end="0"/>
+                                              <p:pRg st="1" end="1"/>
                                             </p:txEl>
                                           </p:spTgt>
                                         </p:tgtEl>
@@ -29747,7 +29946,7 @@
                                         <p:tgtEl>
                                           <p:spTgt spid="16">
                                             <p:txEl>
-                                              <p:pRg st="0" end="0"/>
+                                              <p:pRg st="1" end="1"/>
                                             </p:txEl>
                                           </p:spTgt>
                                         </p:tgtEl>
@@ -29790,7 +29989,7 @@
                                         <p:tgtEl>
                                           <p:spTgt spid="16">
                                             <p:txEl>
-                                              <p:pRg st="2" end="2"/>
+                                              <p:pRg st="3" end="3"/>
                                             </p:txEl>
                                           </p:spTgt>
                                         </p:tgtEl>
@@ -29808,7 +30007,7 @@
                                         <p:tgtEl>
                                           <p:spTgt spid="16">
                                             <p:txEl>
-                                              <p:pRg st="2" end="2"/>
+                                              <p:pRg st="3" end="3"/>
                                             </p:txEl>
                                           </p:spTgt>
                                         </p:tgtEl>
@@ -29851,7 +30050,7 @@
                                         <p:tgtEl>
                                           <p:spTgt spid="16">
                                             <p:txEl>
-                                              <p:pRg st="4" end="4"/>
+                                              <p:pRg st="5" end="5"/>
                                             </p:txEl>
                                           </p:spTgt>
                                         </p:tgtEl>
@@ -29869,68 +30068,7 @@
                                         <p:tgtEl>
                                           <p:spTgt spid="16">
                                             <p:txEl>
-                                              <p:pRg st="4" end="4"/>
-                                            </p:txEl>
-                                          </p:spTgt>
-                                        </p:tgtEl>
-                                      </p:cBhvr>
-                                    </p:animEffect>
-                                  </p:childTnLst>
-                                </p:cTn>
-                              </p:par>
-                            </p:childTnLst>
-                          </p:cTn>
-                        </p:par>
-                      </p:childTnLst>
-                    </p:cTn>
-                  </p:par>
-                  <p:par>
-                    <p:cTn id="23" fill="hold">
-                      <p:stCondLst>
-                        <p:cond delay="indefinite"/>
-                      </p:stCondLst>
-                      <p:childTnLst>
-                        <p:par>
-                          <p:cTn id="24" fill="hold">
-                            <p:stCondLst>
-                              <p:cond delay="0"/>
-                            </p:stCondLst>
-                            <p:childTnLst>
-                              <p:par>
-                                <p:cTn id="25" presetID="10" presetClass="entr" presetSubtype="0" fill="hold" grpId="0" nodeType="clickEffect">
-                                  <p:stCondLst>
-                                    <p:cond delay="0"/>
-                                  </p:stCondLst>
-                                  <p:childTnLst>
-                                    <p:set>
-                                      <p:cBhvr>
-                                        <p:cTn id="26" dur="1" fill="hold">
-                                          <p:stCondLst>
-                                            <p:cond delay="0"/>
-                                          </p:stCondLst>
-                                        </p:cTn>
-                                        <p:tgtEl>
-                                          <p:spTgt spid="16">
-                                            <p:txEl>
-                                              <p:pRg st="6" end="6"/>
-                                            </p:txEl>
-                                          </p:spTgt>
-                                        </p:tgtEl>
-                                        <p:attrNameLst>
-                                          <p:attrName>style.visibility</p:attrName>
-                                        </p:attrNameLst>
-                                      </p:cBhvr>
-                                      <p:to>
-                                        <p:strVal val="visible"/>
-                                      </p:to>
-                                    </p:set>
-                                    <p:animEffect transition="in" filter="fade">
-                                      <p:cBhvr>
-                                        <p:cTn id="27" dur="500"/>
-                                        <p:tgtEl>
-                                          <p:spTgt spid="16">
-                                            <p:txEl>
-                                              <p:pRg st="6" end="6"/>
+                                              <p:pRg st="5" end="5"/>
                                             </p:txEl>
                                           </p:spTgt>
                                         </p:tgtEl>
@@ -30273,13 +30411,13 @@
   <p:clrMapOvr>
     <a:masterClrMapping/>
   </p:clrMapOvr>
-  <mc:AlternateContent xmlns:mc="http://schemas.openxmlformats.org/markup-compatibility/2006">
-    <mc:Choice xmlns:p159="http://schemas.microsoft.com/office/powerpoint/2015/09/main" xmlns="" Requires="p159">
+  <mc:AlternateContent xmlns:mc="http://schemas.openxmlformats.org/markup-compatibility/2006" xmlns:p159="http://schemas.microsoft.com/office/powerpoint/2015/09/main">
+    <mc:Choice Requires="p159">
       <p:transition xmlns:p14="http://schemas.microsoft.com/office/powerpoint/2010/main" spd="slow" p14:dur="2000">
         <p159:morph option="byObject"/>
       </p:transition>
     </mc:Choice>
-    <mc:Fallback>
+    <mc:Fallback xmlns="">
       <p:transition spd="slow">
         <p:fade/>
       </p:transition>
@@ -30522,186 +30660,6 @@
           <a:chExt cx="0" cy="0"/>
         </a:xfrm>
       </p:grpSpPr>
-      <p:pic>
-        <p:nvPicPr>
-          <p:cNvPr id="4100" name="Picture 4">
-            <a:extLst>
-              <a:ext uri="{FF2B5EF4-FFF2-40B4-BE49-F238E27FC236}">
-                <a16:creationId xmlns:a16="http://schemas.microsoft.com/office/drawing/2014/main" id="{FC057749-F89D-70C0-F19B-9742386AFB5C}"/>
-              </a:ext>
-            </a:extLst>
-          </p:cNvPr>
-          <p:cNvPicPr>
-            <a:picLocks noChangeAspect="1" noChangeArrowheads="1"/>
-          </p:cNvPicPr>
-          <p:nvPr/>
-        </p:nvPicPr>
-        <p:blipFill>
-          <a:blip r:embed="rId3">
-            <a:extLst>
-              <a:ext uri="{28A0092B-C50C-407E-A947-70E740481C1C}">
-                <a14:useLocalDpi xmlns:a14="http://schemas.microsoft.com/office/drawing/2010/main" val="0"/>
-              </a:ext>
-            </a:extLst>
-          </a:blip>
-          <a:srcRect/>
-          <a:stretch>
-            <a:fillRect/>
-          </a:stretch>
-        </p:blipFill>
-        <p:spPr bwMode="auto">
-          <a:xfrm>
-            <a:off x="1859622" y="973475"/>
-            <a:ext cx="9102904" cy="5252663"/>
-          </a:xfrm>
-          <a:prstGeom prst="rect">
-            <a:avLst/>
-          </a:prstGeom>
-          <a:noFill/>
-          <a:extLst>
-            <a:ext uri="{909E8E84-426E-40DD-AFC4-6F175D3DCCD1}">
-              <a14:hiddenFill xmlns:a14="http://schemas.microsoft.com/office/drawing/2010/main">
-                <a:solidFill>
-                  <a:srgbClr val="FFFFFF"/>
-                </a:solidFill>
-              </a14:hiddenFill>
-            </a:ext>
-          </a:extLst>
-        </p:spPr>
-      </p:pic>
-    </p:spTree>
-    <p:extLst>
-      <p:ext uri="{BB962C8B-B14F-4D97-AF65-F5344CB8AC3E}">
-        <p14:creationId xmlns:p14="http://schemas.microsoft.com/office/powerpoint/2010/main" val="1096717490"/>
-      </p:ext>
-    </p:extLst>
-  </p:cSld>
-  <p:clrMapOvr>
-    <a:masterClrMapping/>
-  </p:clrMapOvr>
-  <mc:AlternateContent xmlns:mc="http://schemas.openxmlformats.org/markup-compatibility/2006">
-    <mc:Choice xmlns:p159="http://schemas.microsoft.com/office/powerpoint/2015/09/main" xmlns="" Requires="p159">
-      <p:transition xmlns:p14="http://schemas.microsoft.com/office/powerpoint/2010/main" spd="slow" p14:dur="2000">
-        <p159:morph option="byObject"/>
-      </p:transition>
-    </mc:Choice>
-    <mc:Fallback>
-      <p:transition spd="slow">
-        <p:fade/>
-      </p:transition>
-    </mc:Fallback>
-  </mc:AlternateContent>
-  <p:timing>
-    <p:tnLst>
-      <p:par>
-        <p:cTn id="1" dur="indefinite" restart="never" nodeType="tmRoot">
-          <p:childTnLst>
-            <p:seq concurrent="1" nextAc="seek">
-              <p:cTn id="2" dur="indefinite" nodeType="mainSeq">
-                <p:childTnLst>
-                  <p:par>
-                    <p:cTn id="3" fill="hold">
-                      <p:stCondLst>
-                        <p:cond delay="indefinite"/>
-                      </p:stCondLst>
-                      <p:childTnLst>
-                        <p:par>
-                          <p:cTn id="4" fill="hold">
-                            <p:stCondLst>
-                              <p:cond delay="0"/>
-                            </p:stCondLst>
-                            <p:childTnLst>
-                              <p:par>
-                                <p:cTn id="5" presetID="10" presetClass="entr" presetSubtype="0" fill="hold" nodeType="clickEffect">
-                                  <p:stCondLst>
-                                    <p:cond delay="0"/>
-                                  </p:stCondLst>
-                                  <p:childTnLst>
-                                    <p:set>
-                                      <p:cBhvr>
-                                        <p:cTn id="6" dur="1" fill="hold">
-                                          <p:stCondLst>
-                                            <p:cond delay="0"/>
-                                          </p:stCondLst>
-                                        </p:cTn>
-                                        <p:tgtEl>
-                                          <p:spTgt spid="4100"/>
-                                        </p:tgtEl>
-                                        <p:attrNameLst>
-                                          <p:attrName>style.visibility</p:attrName>
-                                        </p:attrNameLst>
-                                      </p:cBhvr>
-                                      <p:to>
-                                        <p:strVal val="visible"/>
-                                      </p:to>
-                                    </p:set>
-                                    <p:animEffect transition="in" filter="fade">
-                                      <p:cBhvr>
-                                        <p:cTn id="7" dur="500"/>
-                                        <p:tgtEl>
-                                          <p:spTgt spid="4100"/>
-                                        </p:tgtEl>
-                                      </p:cBhvr>
-                                    </p:animEffect>
-                                  </p:childTnLst>
-                                </p:cTn>
-                              </p:par>
-                            </p:childTnLst>
-                          </p:cTn>
-                        </p:par>
-                      </p:childTnLst>
-                    </p:cTn>
-                  </p:par>
-                </p:childTnLst>
-              </p:cTn>
-              <p:prevCondLst>
-                <p:cond evt="onPrev" delay="0">
-                  <p:tgtEl>
-                    <p:sldTgt/>
-                  </p:tgtEl>
-                </p:cond>
-              </p:prevCondLst>
-              <p:nextCondLst>
-                <p:cond evt="onNext" delay="0">
-                  <p:tgtEl>
-                    <p:sldTgt/>
-                  </p:tgtEl>
-                </p:cond>
-              </p:nextCondLst>
-            </p:seq>
-          </p:childTnLst>
-        </p:cTn>
-      </p:par>
-    </p:tnLst>
-  </p:timing>
-</p:sld>
-</file>
-
-<file path=ppt/slides/slide7.xml><?xml version="1.0" encoding="utf-8"?>
-<p:sld xmlns:a="http://schemas.openxmlformats.org/drawingml/2006/main" xmlns:r="http://schemas.openxmlformats.org/officeDocument/2006/relationships" xmlns:p="http://schemas.openxmlformats.org/presentationml/2006/main">
-  <p:cSld>
-    <p:bg>
-      <p:bgPr>
-        <a:solidFill>
-          <a:schemeClr val="bg2"/>
-        </a:solidFill>
-        <a:effectLst/>
-      </p:bgPr>
-    </p:bg>
-    <p:spTree>
-      <p:nvGrpSpPr>
-        <p:cNvPr id="1" name=""/>
-        <p:cNvGrpSpPr/>
-        <p:nvPr/>
-      </p:nvGrpSpPr>
-      <p:grpSpPr>
-        <a:xfrm>
-          <a:off x="0" y="0"/>
-          <a:ext cx="0" cy="0"/>
-          <a:chOff x="0" y="0"/>
-          <a:chExt cx="0" cy="0"/>
-        </a:xfrm>
-      </p:grpSpPr>
       <p:sp>
         <p:nvSpPr>
           <p:cNvPr id="11" name="Title 10">
@@ -30867,7 +30825,7 @@
             <a:fld id="{58FB4751-880F-D840-AAA9-3A15815CC996}" type="slidenum">
               <a:rPr lang="en-US" smtClean="0"/>
               <a:pPr/>
-              <a:t>7</a:t>
+              <a:t>6</a:t>
             </a:fld>
             <a:endParaRPr lang="en-US" dirty="0"/>
           </a:p>
@@ -30883,13 +30841,13 @@
   <p:clrMapOvr>
     <a:masterClrMapping/>
   </p:clrMapOvr>
-  <mc:AlternateContent xmlns:mc="http://schemas.openxmlformats.org/markup-compatibility/2006">
-    <mc:Choice xmlns:p159="http://schemas.microsoft.com/office/powerpoint/2015/09/main" xmlns="" Requires="p159">
+  <mc:AlternateContent xmlns:mc="http://schemas.openxmlformats.org/markup-compatibility/2006" xmlns:p159="http://schemas.microsoft.com/office/powerpoint/2015/09/main">
+    <mc:Choice Requires="p159">
       <p:transition xmlns:p14="http://schemas.microsoft.com/office/powerpoint/2010/main" spd="slow" p14:dur="2000">
         <p159:morph option="byObject"/>
       </p:transition>
     </mc:Choice>
-    <mc:Fallback>
+    <mc:Fallback xmlns="">
       <p:transition spd="slow">
         <p:fade/>
       </p:transition>
@@ -31290,6 +31248,92 @@
 </p:sld>
 </file>
 
+<file path=ppt/slides/slide7.xml><?xml version="1.0" encoding="utf-8"?>
+<p:sld xmlns:a="http://schemas.openxmlformats.org/drawingml/2006/main" xmlns:r="http://schemas.openxmlformats.org/officeDocument/2006/relationships" xmlns:p="http://schemas.openxmlformats.org/presentationml/2006/main">
+  <p:cSld>
+    <p:bg>
+      <p:bgPr>
+        <a:solidFill>
+          <a:schemeClr val="bg2"/>
+        </a:solidFill>
+        <a:effectLst/>
+      </p:bgPr>
+    </p:bg>
+    <p:spTree>
+      <p:nvGrpSpPr>
+        <p:cNvPr id="1" name=""/>
+        <p:cNvGrpSpPr/>
+        <p:nvPr/>
+      </p:nvGrpSpPr>
+      <p:grpSpPr>
+        <a:xfrm>
+          <a:off x="0" y="0"/>
+          <a:ext cx="0" cy="0"/>
+          <a:chOff x="0" y="0"/>
+          <a:chExt cx="0" cy="0"/>
+        </a:xfrm>
+      </p:grpSpPr>
+      <p:pic>
+        <p:nvPicPr>
+          <p:cNvPr id="2" name="Picture 1">
+            <a:extLst>
+              <a:ext uri="{FF2B5EF4-FFF2-40B4-BE49-F238E27FC236}">
+                <a16:creationId xmlns:a16="http://schemas.microsoft.com/office/drawing/2014/main" id="{1DDAD07B-86A4-0126-6065-0EFD3D5E8C4C}"/>
+              </a:ext>
+            </a:extLst>
+          </p:cNvPr>
+          <p:cNvPicPr>
+            <a:picLocks noChangeAspect="1"/>
+          </p:cNvPicPr>
+          <p:nvPr/>
+        </p:nvPicPr>
+        <p:blipFill>
+          <a:blip r:embed="rId3">
+            <a:extLst>
+              <a:ext uri="{28A0092B-C50C-407E-A947-70E740481C1C}">
+                <a14:useLocalDpi xmlns:a14="http://schemas.microsoft.com/office/drawing/2010/main" val="0"/>
+              </a:ext>
+            </a:extLst>
+          </a:blip>
+          <a:stretch>
+            <a:fillRect/>
+          </a:stretch>
+        </p:blipFill>
+        <p:spPr>
+          <a:xfrm>
+            <a:off x="3124517" y="430848"/>
+            <a:ext cx="5942965" cy="5996305"/>
+          </a:xfrm>
+          <a:prstGeom prst="rect">
+            <a:avLst/>
+          </a:prstGeom>
+        </p:spPr>
+      </p:pic>
+    </p:spTree>
+    <p:extLst>
+      <p:ext uri="{BB962C8B-B14F-4D97-AF65-F5344CB8AC3E}">
+        <p14:creationId xmlns:p14="http://schemas.microsoft.com/office/powerpoint/2010/main" val="1096717490"/>
+      </p:ext>
+    </p:extLst>
+  </p:cSld>
+  <p:clrMapOvr>
+    <a:masterClrMapping/>
+  </p:clrMapOvr>
+  <mc:AlternateContent xmlns:mc="http://schemas.openxmlformats.org/markup-compatibility/2006" xmlns:p159="http://schemas.microsoft.com/office/powerpoint/2015/09/main">
+    <mc:Choice Requires="p159">
+      <p:transition xmlns:p14="http://schemas.microsoft.com/office/powerpoint/2010/main" spd="slow" p14:dur="2000">
+        <p159:morph option="byObject"/>
+      </p:transition>
+    </mc:Choice>
+    <mc:Fallback xmlns="">
+      <p:transition spd="slow">
+        <p:fade/>
+      </p:transition>
+    </mc:Fallback>
+  </mc:AlternateContent>
+</p:sld>
+</file>
+
 <file path=ppt/slides/slide8.xml><?xml version="1.0" encoding="utf-8"?>
 <p:sld xmlns:a="http://schemas.openxmlformats.org/drawingml/2006/main" xmlns:r="http://schemas.openxmlformats.org/officeDocument/2006/relationships" xmlns:p="http://schemas.openxmlformats.org/presentationml/2006/main">
   <p:cSld>
@@ -31435,13 +31479,13 @@
   <p:clrMapOvr>
     <a:masterClrMapping/>
   </p:clrMapOvr>
-  <mc:AlternateContent xmlns:mc="http://schemas.openxmlformats.org/markup-compatibility/2006">
-    <mc:Choice xmlns:p159="http://schemas.microsoft.com/office/powerpoint/2015/09/main" xmlns="" Requires="p159">
+  <mc:AlternateContent xmlns:mc="http://schemas.openxmlformats.org/markup-compatibility/2006" xmlns:p159="http://schemas.microsoft.com/office/powerpoint/2015/09/main">
+    <mc:Choice Requires="p159">
       <p:transition xmlns:p14="http://schemas.microsoft.com/office/powerpoint/2010/main" spd="slow" p14:dur="2000">
         <p159:morph option="byObject"/>
       </p:transition>
     </mc:Choice>
-    <mc:Fallback>
+    <mc:Fallback xmlns="">
       <p:transition spd="slow">
         <p:fade/>
       </p:transition>
@@ -31792,7 +31836,24 @@
                 </a:solidFill>
                 <a:effectLst/>
               </a:rPr>
-              <a:t>Provide a seamless and intuitive shopping experience.</a:t>
+              <a:t>Provide a seamless and </a:t>
+            </a:r>
+            <a:r>
+              <a:rPr lang="en-US" sz="2800" dirty="0">
+                <a:solidFill>
+                  <a:srgbClr val="000000"/>
+                </a:solidFill>
+              </a:rPr>
+              <a:t>better</a:t>
+            </a:r>
+            <a:r>
+              <a:rPr lang="en-US" sz="2800" b="0" i="0" u="none" strike="noStrike" dirty="0">
+                <a:solidFill>
+                  <a:srgbClr val="000000"/>
+                </a:solidFill>
+                <a:effectLst/>
+              </a:rPr>
+              <a:t> shopping experience.</a:t>
             </a:r>
           </a:p>
           <a:p>
@@ -31951,13 +32012,13 @@
   <p:clrMapOvr>
     <a:masterClrMapping/>
   </p:clrMapOvr>
-  <mc:AlternateContent xmlns:mc="http://schemas.openxmlformats.org/markup-compatibility/2006">
-    <mc:Choice xmlns:p159="http://schemas.microsoft.com/office/powerpoint/2015/09/main" xmlns="" Requires="p159">
+  <mc:AlternateContent xmlns:mc="http://schemas.openxmlformats.org/markup-compatibility/2006" xmlns:p159="http://schemas.microsoft.com/office/powerpoint/2015/09/main">
+    <mc:Choice Requires="p159">
       <p:transition xmlns:p14="http://schemas.microsoft.com/office/powerpoint/2010/main" spd="slow" p14:dur="2000">
         <p159:morph option="byObject"/>
       </p:transition>
     </mc:Choice>
-    <mc:Fallback>
+    <mc:Fallback xmlns="">
       <p:transition spd="slow">
         <p:fade/>
       </p:transition>
@@ -33150,15 +33211,6 @@
 </file>
 
 <file path=customXml/item1.xml><?xml version="1.0" encoding="utf-8"?>
-<?mso-contentType ?>
-<FormTemplates xmlns="http://schemas.microsoft.com/sharepoint/v3/contenttype/forms">
-  <Display>DocumentLibraryForm</Display>
-  <Edit>DocumentLibraryForm</Edit>
-  <New>DocumentLibraryForm</New>
-</FormTemplates>
-</file>
-
-<file path=customXml/item2.xml><?xml version="1.0" encoding="utf-8"?>
 <p:properties xmlns:p="http://schemas.microsoft.com/office/2006/metadata/properties" xmlns:xsi="http://www.w3.org/2001/XMLSchema-instance" xmlns:pc="http://schemas.microsoft.com/office/infopath/2007/PartnerControls">
   <documentManagement>
     <_ip_UnifiedCompliancePolicyUIAction xmlns="http://schemas.microsoft.com/sharepoint/v3" xsi:nil="true"/>
@@ -33176,6 +33228,15 @@
     <MediaServiceKeyPoints xmlns="71af3243-3dd4-4a8d-8c0d-dd76da1f02a5" xsi:nil="true"/>
   </documentManagement>
 </p:properties>
+</file>
+
+<file path=customXml/item2.xml><?xml version="1.0" encoding="utf-8"?>
+<?mso-contentType ?>
+<FormTemplates xmlns="http://schemas.microsoft.com/sharepoint/v3/contenttype/forms">
+  <Display>DocumentLibraryForm</Display>
+  <Edit>DocumentLibraryForm</Edit>
+  <New>DocumentLibraryForm</New>
+</FormTemplates>
 </file>
 
 <file path=customXml/item3.xml><?xml version="1.0" encoding="utf-8"?>
@@ -33491,14 +33552,6 @@
 </file>
 
 <file path=customXml/itemProps1.xml><?xml version="1.0" encoding="utf-8"?>
-<ds:datastoreItem xmlns:ds="http://schemas.openxmlformats.org/officeDocument/2006/customXml" ds:itemID="{1249AD37-9510-4A2D-B790-12C439A83F93}">
-  <ds:schemaRefs>
-    <ds:schemaRef ds:uri="http://schemas.microsoft.com/sharepoint/v3/contenttype/forms"/>
-  </ds:schemaRefs>
-</ds:datastoreItem>
-</file>
-
-<file path=customXml/itemProps2.xml><?xml version="1.0" encoding="utf-8"?>
 <ds:datastoreItem xmlns:ds="http://schemas.openxmlformats.org/officeDocument/2006/customXml" ds:itemID="{85DF9CEC-52C2-4D14-B2F5-11176002A8B6}">
   <ds:schemaRefs>
     <ds:schemaRef ds:uri="http://schemas.microsoft.com/office/2006/metadata/properties"/>
@@ -33506,6 +33559,14 @@
     <ds:schemaRef ds:uri="http://schemas.microsoft.com/sharepoint/v3"/>
     <ds:schemaRef ds:uri="71af3243-3dd4-4a8d-8c0d-dd76da1f02a5"/>
     <ds:schemaRef ds:uri="230e9df3-be65-4c73-a93b-d1236ebd677e"/>
+  </ds:schemaRefs>
+</ds:datastoreItem>
+</file>
+
+<file path=customXml/itemProps2.xml><?xml version="1.0" encoding="utf-8"?>
+<ds:datastoreItem xmlns:ds="http://schemas.openxmlformats.org/officeDocument/2006/customXml" ds:itemID="{1249AD37-9510-4A2D-B790-12C439A83F93}">
+  <ds:schemaRefs>
+    <ds:schemaRef ds:uri="http://schemas.microsoft.com/sharepoint/v3/contenttype/forms"/>
   </ds:schemaRefs>
 </ds:datastoreItem>
 </file>

--- a/BAKERY.pptx
+++ b/BAKERY.pptx
@@ -16,8 +16,8 @@
     <p:sldId id="308" r:id="rId7"/>
     <p:sldId id="278" r:id="rId8"/>
     <p:sldId id="309" r:id="rId9"/>
-    <p:sldId id="310" r:id="rId10"/>
-    <p:sldId id="263" r:id="rId11"/>
+    <p:sldId id="263" r:id="rId10"/>
+    <p:sldId id="310" r:id="rId11"/>
     <p:sldId id="316" r:id="rId12"/>
     <p:sldId id="311" r:id="rId13"/>
     <p:sldId id="304" r:id="rId14"/>
@@ -183,52 +183,20 @@
 <pc:chgInfo xmlns:a="http://schemas.openxmlformats.org/drawingml/2006/main" xmlns:r="http://schemas.openxmlformats.org/officeDocument/2006/relationships" xmlns:ac="http://schemas.microsoft.com/office/drawing/2013/main/command" xmlns:pc="http://schemas.microsoft.com/office/powerpoint/2013/main/command">
   <pc:docChgLst>
     <pc:chgData name="aakriti parajuli" userId="38081afc37ecc0b9" providerId="LiveId" clId="{9327C59D-7A01-4345-ACB7-CC605A750186}"/>
-    <pc:docChg chg="undo redo custSel addSld delSld modSld sldOrd">
-      <pc:chgData name="aakriti parajuli" userId="38081afc37ecc0b9" providerId="LiveId" clId="{9327C59D-7A01-4345-ACB7-CC605A750186}" dt="2024-10-02T04:49:07.262" v="757" actId="2711"/>
+    <pc:docChg chg="undo redo custSel modSld">
+      <pc:chgData name="aakriti parajuli" userId="38081afc37ecc0b9" providerId="LiveId" clId="{9327C59D-7A01-4345-ACB7-CC605A750186}" dt="2024-10-01T23:15:05.618" v="148" actId="20577"/>
       <pc:docMkLst>
         <pc:docMk/>
       </pc:docMkLst>
-      <pc:sldChg chg="addSp delSp modSp ord modTransition modAnim">
-        <pc:chgData name="aakriti parajuli" userId="38081afc37ecc0b9" providerId="LiveId" clId="{9327C59D-7A01-4345-ACB7-CC605A750186}" dt="2024-10-02T04:33:00.587" v="685"/>
+      <pc:sldChg chg="modTransition modAnim">
+        <pc:chgData name="aakriti parajuli" userId="38081afc37ecc0b9" providerId="LiveId" clId="{9327C59D-7A01-4345-ACB7-CC605A750186}" dt="2024-10-01T22:49:28.868" v="91"/>
         <pc:sldMkLst>
           <pc:docMk/>
           <pc:sldMk cId="1096717490" sldId="263"/>
         </pc:sldMkLst>
-        <pc:picChg chg="add mod">
-          <ac:chgData name="aakriti parajuli" userId="38081afc37ecc0b9" providerId="LiveId" clId="{9327C59D-7A01-4345-ACB7-CC605A750186}" dt="2024-10-02T04:33:00.587" v="685"/>
-          <ac:picMkLst>
-            <pc:docMk/>
-            <pc:sldMk cId="1096717490" sldId="263"/>
-            <ac:picMk id="2" creationId="{1DDAD07B-86A4-0126-6065-0EFD3D5E8C4C}"/>
-          </ac:picMkLst>
-        </pc:picChg>
-        <pc:picChg chg="add del mod">
-          <ac:chgData name="aakriti parajuli" userId="38081afc37ecc0b9" providerId="LiveId" clId="{9327C59D-7A01-4345-ACB7-CC605A750186}" dt="2024-10-02T01:31:22.938" v="151" actId="21"/>
-          <ac:picMkLst>
-            <pc:docMk/>
-            <pc:sldMk cId="1096717490" sldId="263"/>
-            <ac:picMk id="2" creationId="{FC057749-F89D-70C0-F19B-9742386AFB5C}"/>
-          </ac:picMkLst>
-        </pc:picChg>
-        <pc:picChg chg="add del mod">
-          <ac:chgData name="aakriti parajuli" userId="38081afc37ecc0b9" providerId="LiveId" clId="{9327C59D-7A01-4345-ACB7-CC605A750186}" dt="2024-10-02T04:32:59.717" v="684" actId="478"/>
-          <ac:picMkLst>
-            <pc:docMk/>
-            <pc:sldMk cId="1096717490" sldId="263"/>
-            <ac:picMk id="1026" creationId="{6425A639-A7E8-4D5D-9BD6-C8A59000B031}"/>
-          </ac:picMkLst>
-        </pc:picChg>
-        <pc:picChg chg="del">
-          <ac:chgData name="aakriti parajuli" userId="38081afc37ecc0b9" providerId="LiveId" clId="{9327C59D-7A01-4345-ACB7-CC605A750186}" dt="2024-10-02T01:31:19.124" v="149" actId="21"/>
-          <ac:picMkLst>
-            <pc:docMk/>
-            <pc:sldMk cId="1096717490" sldId="263"/>
-            <ac:picMk id="4100" creationId="{FC057749-F89D-70C0-F19B-9742386AFB5C}"/>
-          </ac:picMkLst>
-        </pc:picChg>
       </pc:sldChg>
       <pc:sldChg chg="modSp mod modTransition modAnim">
-        <pc:chgData name="aakriti parajuli" userId="38081afc37ecc0b9" providerId="LiveId" clId="{9327C59D-7A01-4345-ACB7-CC605A750186}" dt="2024-10-02T04:25:20.258" v="663" actId="5793"/>
+        <pc:chgData name="aakriti parajuli" userId="38081afc37ecc0b9" providerId="LiveId" clId="{9327C59D-7A01-4345-ACB7-CC605A750186}" dt="2024-10-01T22:49:13.400" v="88"/>
         <pc:sldMkLst>
           <pc:docMk/>
           <pc:sldMk cId="520000563" sldId="278"/>
@@ -242,7 +210,7 @@
           </ac:spMkLst>
         </pc:spChg>
         <pc:spChg chg="mod">
-          <ac:chgData name="aakriti parajuli" userId="38081afc37ecc0b9" providerId="LiveId" clId="{9327C59D-7A01-4345-ACB7-CC605A750186}" dt="2024-10-02T04:25:20.258" v="663" actId="5793"/>
+          <ac:chgData name="aakriti parajuli" userId="38081afc37ecc0b9" providerId="LiveId" clId="{9327C59D-7A01-4345-ACB7-CC605A750186}" dt="2024-10-01T22:36:14.335" v="55" actId="1076"/>
           <ac:spMkLst>
             <pc:docMk/>
             <pc:sldMk cId="520000563" sldId="278"/>
@@ -265,8 +233,8 @@
           </ac:picMkLst>
         </pc:picChg>
       </pc:sldChg>
-      <pc:sldChg chg="modSp mod modTransition modAnim">
-        <pc:chgData name="aakriti parajuli" userId="38081afc37ecc0b9" providerId="LiveId" clId="{9327C59D-7A01-4345-ACB7-CC605A750186}" dt="2024-10-02T04:08:26.049" v="170" actId="20577"/>
+      <pc:sldChg chg="modSp modTransition modAnim">
+        <pc:chgData name="aakriti parajuli" userId="38081afc37ecc0b9" providerId="LiveId" clId="{9327C59D-7A01-4345-ACB7-CC605A750186}" dt="2024-10-01T23:07:25.305" v="136"/>
         <pc:sldMkLst>
           <pc:docMk/>
           <pc:sldMk cId="586478555" sldId="307"/>
@@ -279,23 +247,15 @@
             <ac:spMk id="2" creationId="{C3F46C7B-D29F-368C-FEEC-CDFA125F8E5C}"/>
           </ac:spMkLst>
         </pc:spChg>
-        <pc:graphicFrameChg chg="modGraphic">
-          <ac:chgData name="aakriti parajuli" userId="38081afc37ecc0b9" providerId="LiveId" clId="{9327C59D-7A01-4345-ACB7-CC605A750186}" dt="2024-10-02T04:08:26.049" v="170" actId="20577"/>
-          <ac:graphicFrameMkLst>
-            <pc:docMk/>
-            <pc:sldMk cId="586478555" sldId="307"/>
-            <ac:graphicFrameMk id="6" creationId="{0D6FB95E-6987-A57C-3663-3FD6F6FAC24E}"/>
-          </ac:graphicFrameMkLst>
-        </pc:graphicFrameChg>
       </pc:sldChg>
       <pc:sldChg chg="addSp delSp modSp mod modTransition modAnim">
-        <pc:chgData name="aakriti parajuli" userId="38081afc37ecc0b9" providerId="LiveId" clId="{9327C59D-7A01-4345-ACB7-CC605A750186}" dt="2024-10-02T04:29:38.200" v="683" actId="20577"/>
+        <pc:chgData name="aakriti parajuli" userId="38081afc37ecc0b9" providerId="LiveId" clId="{9327C59D-7A01-4345-ACB7-CC605A750186}" dt="2024-10-01T23:13:49.605" v="147" actId="123"/>
         <pc:sldMkLst>
           <pc:docMk/>
           <pc:sldMk cId="2222324472" sldId="308"/>
         </pc:sldMkLst>
         <pc:spChg chg="mod">
-          <ac:chgData name="aakriti parajuli" userId="38081afc37ecc0b9" providerId="LiveId" clId="{9327C59D-7A01-4345-ACB7-CC605A750186}" dt="2024-10-02T04:29:15.672" v="675" actId="20578"/>
+          <ac:chgData name="aakriti parajuli" userId="38081afc37ecc0b9" providerId="LiveId" clId="{9327C59D-7A01-4345-ACB7-CC605A750186}" dt="2024-10-01T23:13:39.632" v="141" actId="1076"/>
           <ac:spMkLst>
             <pc:docMk/>
             <pc:sldMk cId="2222324472" sldId="308"/>
@@ -310,30 +270,14 @@
             <ac:spMk id="3" creationId="{B7446152-AA26-1B33-74D7-18532DD7CECF}"/>
           </ac:spMkLst>
         </pc:spChg>
-        <pc:spChg chg="add del mod">
-          <ac:chgData name="aakriti parajuli" userId="38081afc37ecc0b9" providerId="LiveId" clId="{9327C59D-7A01-4345-ACB7-CC605A750186}" dt="2024-10-02T04:29:38.200" v="683" actId="20577"/>
+        <pc:spChg chg="mod">
+          <ac:chgData name="aakriti parajuli" userId="38081afc37ecc0b9" providerId="LiveId" clId="{9327C59D-7A01-4345-ACB7-CC605A750186}" dt="2024-10-01T23:13:49.605" v="147" actId="123"/>
           <ac:spMkLst>
             <pc:docMk/>
             <pc:sldMk cId="2222324472" sldId="308"/>
             <ac:spMk id="16" creationId="{1B540613-C55B-E3A3-6E5D-8F13E063119C}"/>
           </ac:spMkLst>
         </pc:spChg>
-        <pc:picChg chg="add del">
-          <ac:chgData name="aakriti parajuli" userId="38081afc37ecc0b9" providerId="LiveId" clId="{9327C59D-7A01-4345-ACB7-CC605A750186}" dt="2024-10-02T04:27:56.007" v="668" actId="478"/>
-          <ac:picMkLst>
-            <pc:docMk/>
-            <pc:sldMk cId="2222324472" sldId="308"/>
-            <ac:picMk id="1026" creationId="{B38E97E7-C003-0CE9-9D4A-00F8E6E176D6}"/>
-          </ac:picMkLst>
-        </pc:picChg>
-        <pc:picChg chg="add mod">
-          <ac:chgData name="aakriti parajuli" userId="38081afc37ecc0b9" providerId="LiveId" clId="{9327C59D-7A01-4345-ACB7-CC605A750186}" dt="2024-10-02T04:28:14.102" v="671" actId="1076"/>
-          <ac:picMkLst>
-            <pc:docMk/>
-            <pc:sldMk cId="2222324472" sldId="308"/>
-            <ac:picMk id="1028" creationId="{07A0EC71-B82C-3E06-BA79-01AA9406782E}"/>
-          </ac:picMkLst>
-        </pc:picChg>
       </pc:sldChg>
       <pc:sldChg chg="modSp modTransition modAnim">
         <pc:chgData name="aakriti parajuli" userId="38081afc37ecc0b9" providerId="LiveId" clId="{9327C59D-7A01-4345-ACB7-CC605A750186}" dt="2024-10-01T23:15:05.618" v="148" actId="20577"/>
@@ -358,13 +302,13 @@
         </pc:sldMkLst>
       </pc:sldChg>
       <pc:sldChg chg="modSp mod modTransition modAnim">
-        <pc:chgData name="aakriti parajuli" userId="38081afc37ecc0b9" providerId="LiveId" clId="{9327C59D-7A01-4345-ACB7-CC605A750186}" dt="2024-10-02T04:10:53.140" v="241" actId="20577"/>
+        <pc:chgData name="aakriti parajuli" userId="38081afc37ecc0b9" providerId="LiveId" clId="{9327C59D-7A01-4345-ACB7-CC605A750186}" dt="2024-10-01T22:49:59.398" v="97"/>
         <pc:sldMkLst>
           <pc:docMk/>
           <pc:sldMk cId="3748348926" sldId="311"/>
         </pc:sldMkLst>
         <pc:spChg chg="mod">
-          <ac:chgData name="aakriti parajuli" userId="38081afc37ecc0b9" providerId="LiveId" clId="{9327C59D-7A01-4345-ACB7-CC605A750186}" dt="2024-10-02T04:10:53.140" v="241" actId="20577"/>
+          <ac:chgData name="aakriti parajuli" userId="38081afc37ecc0b9" providerId="LiveId" clId="{9327C59D-7A01-4345-ACB7-CC605A750186}" dt="2024-10-01T22:27:33.039" v="18" actId="1076"/>
           <ac:spMkLst>
             <pc:docMk/>
             <pc:sldMk cId="3748348926" sldId="311"/>
@@ -372,15 +316,15 @@
           </ac:spMkLst>
         </pc:spChg>
       </pc:sldChg>
-      <pc:sldChg chg="del modTransition modAnim">
-        <pc:chgData name="aakriti parajuli" userId="38081afc37ecc0b9" providerId="LiveId" clId="{9327C59D-7A01-4345-ACB7-CC605A750186}" dt="2024-10-02T04:07:48.470" v="166" actId="47"/>
+      <pc:sldChg chg="modTransition modAnim">
+        <pc:chgData name="aakriti parajuli" userId="38081afc37ecc0b9" providerId="LiveId" clId="{9327C59D-7A01-4345-ACB7-CC605A750186}" dt="2024-10-01T22:50:03.909" v="98"/>
         <pc:sldMkLst>
           <pc:docMk/>
           <pc:sldMk cId="4132147533" sldId="314"/>
         </pc:sldMkLst>
       </pc:sldChg>
-      <pc:sldChg chg="addSp delSp modSp add del modTransition modAnim">
-        <pc:chgData name="aakriti parajuli" userId="38081afc37ecc0b9" providerId="LiveId" clId="{9327C59D-7A01-4345-ACB7-CC605A750186}" dt="2024-10-02T04:08:00.764" v="168" actId="47"/>
+      <pc:sldChg chg="addSp delSp modSp modTransition modAnim">
+        <pc:chgData name="aakriti parajuli" userId="38081afc37ecc0b9" providerId="LiveId" clId="{9327C59D-7A01-4345-ACB7-CC605A750186}" dt="2024-10-01T22:49:50.501" v="95"/>
         <pc:sldMkLst>
           <pc:docMk/>
           <pc:sldMk cId="537809529" sldId="316"/>
@@ -403,19 +347,11 @@
         </pc:picChg>
       </pc:sldChg>
       <pc:sldChg chg="addSp delSp modSp mod modTransition modAnim">
-        <pc:chgData name="aakriti parajuli" userId="38081afc37ecc0b9" providerId="LiveId" clId="{9327C59D-7A01-4345-ACB7-CC605A750186}" dt="2024-10-02T04:49:07.262" v="757" actId="2711"/>
+        <pc:chgData name="aakriti parajuli" userId="38081afc37ecc0b9" providerId="LiveId" clId="{9327C59D-7A01-4345-ACB7-CC605A750186}" dt="2024-10-01T23:06:52.072" v="135" actId="20577"/>
         <pc:sldMkLst>
           <pc:docMk/>
           <pc:sldMk cId="1338167130" sldId="317"/>
         </pc:sldMkLst>
-        <pc:spChg chg="add mod">
-          <ac:chgData name="aakriti parajuli" userId="38081afc37ecc0b9" providerId="LiveId" clId="{9327C59D-7A01-4345-ACB7-CC605A750186}" dt="2024-10-02T04:09:38.852" v="226" actId="20577"/>
-          <ac:spMkLst>
-            <pc:docMk/>
-            <pc:sldMk cId="1338167130" sldId="317"/>
-            <ac:spMk id="2" creationId="{D72FD935-5626-10EB-E41F-D5A92003424A}"/>
-          </ac:spMkLst>
-        </pc:spChg>
         <pc:spChg chg="add del mod">
           <ac:chgData name="aakriti parajuli" userId="38081afc37ecc0b9" providerId="LiveId" clId="{9327C59D-7A01-4345-ACB7-CC605A750186}" dt="2024-10-01T23:01:34.330" v="122"/>
           <ac:spMkLst>
@@ -425,35 +361,11 @@
           </ac:spMkLst>
         </pc:spChg>
         <pc:spChg chg="add del mod">
-          <ac:chgData name="aakriti parajuli" userId="38081afc37ecc0b9" providerId="LiveId" clId="{9327C59D-7A01-4345-ACB7-CC605A750186}" dt="2024-10-02T04:45:21.802" v="703" actId="478"/>
-          <ac:spMkLst>
-            <pc:docMk/>
-            <pc:sldMk cId="1338167130" sldId="317"/>
-            <ac:spMk id="3" creationId="{972BE926-259F-CD2D-9821-EB40900B3B72}"/>
-          </ac:spMkLst>
-        </pc:spChg>
-        <pc:spChg chg="add del mod">
           <ac:chgData name="aakriti parajuli" userId="38081afc37ecc0b9" providerId="LiveId" clId="{9327C59D-7A01-4345-ACB7-CC605A750186}" dt="2024-10-01T23:06:52.072" v="135" actId="20577"/>
           <ac:spMkLst>
             <pc:docMk/>
             <pc:sldMk cId="1338167130" sldId="317"/>
             <ac:spMk id="4" creationId="{17E209DB-11DC-1D3F-8969-7F7E26F7FAC3}"/>
-          </ac:spMkLst>
-        </pc:spChg>
-        <pc:spChg chg="add del mod">
-          <ac:chgData name="aakriti parajuli" userId="38081afc37ecc0b9" providerId="LiveId" clId="{9327C59D-7A01-4345-ACB7-CC605A750186}" dt="2024-10-02T04:48:01.028" v="742" actId="478"/>
-          <ac:spMkLst>
-            <pc:docMk/>
-            <pc:sldMk cId="1338167130" sldId="317"/>
-            <ac:spMk id="5" creationId="{26FE066C-4884-3900-274F-D84025F6A4BD}"/>
-          </ac:spMkLst>
-        </pc:spChg>
-        <pc:spChg chg="add mod">
-          <ac:chgData name="aakriti parajuli" userId="38081afc37ecc0b9" providerId="LiveId" clId="{9327C59D-7A01-4345-ACB7-CC605A750186}" dt="2024-10-02T04:49:07.262" v="757" actId="2711"/>
-          <ac:spMkLst>
-            <pc:docMk/>
-            <pc:sldMk cId="1338167130" sldId="317"/>
-            <ac:spMk id="6" creationId="{FFF6EFDD-9770-4658-8DF1-461FE0F148F8}"/>
           </ac:spMkLst>
         </pc:spChg>
         <pc:picChg chg="del">
@@ -465,7 +377,7 @@
           </ac:picMkLst>
         </pc:picChg>
         <pc:picChg chg="add mod">
-          <ac:chgData name="aakriti parajuli" userId="38081afc37ecc0b9" providerId="LiveId" clId="{9327C59D-7A01-4345-ACB7-CC605A750186}" dt="2024-10-02T04:44:54.694" v="692" actId="1076"/>
+          <ac:chgData name="aakriti parajuli" userId="38081afc37ecc0b9" providerId="LiveId" clId="{9327C59D-7A01-4345-ACB7-CC605A750186}" dt="2024-10-01T22:46:57.436" v="62" actId="1076"/>
           <ac:picMkLst>
             <pc:docMk/>
             <pc:sldMk cId="1338167130" sldId="317"/>
@@ -535,7 +447,7 @@
           <a:p>
             <a:fld id="{FD913024-4032-4B4F-8680-09D5E08EDB6E}" type="datetimeFigureOut">
               <a:rPr lang="en-US" smtClean="0"/>
-              <a:t>10/2/2024</a:t>
+              <a:t>10/3/2024</a:t>
             </a:fld>
             <a:endParaRPr lang="en-US" dirty="0"/>
           </a:p>
@@ -713,7 +625,7 @@
           <a:p>
             <a:fld id="{F2AE225E-43E0-7047-8ADB-DD9EBB41B4D0}" type="datetimeFigureOut">
               <a:rPr lang="en-US" noProof="0" smtClean="0"/>
-              <a:t>10/2/2024</a:t>
+              <a:t>10/3/2024</a:t>
             </a:fld>
             <a:endParaRPr lang="en-US" noProof="0" dirty="0"/>
           </a:p>
@@ -1626,7 +1538,7 @@
           <p:cNvPr id="5" name="Footer Placeholder 4">
             <a:extLst>
               <a:ext uri="{FF2B5EF4-FFF2-40B4-BE49-F238E27FC236}">
-                <a16:creationId xmlns:a16="http://schemas.microsoft.com/office/drawing/2014/main" id="{05637577-8A77-D2A9-CB5F-BDC2C8582DDE}"/>
+                <a16:creationId xmlns:a16="http://schemas.microsoft.com/office/drawing/2014/main" id="{CB8CDB0F-FB86-2A8F-D864-A7A5FD2FAF9A}"/>
               </a:ext>
             </a:extLst>
           </p:cNvPr>
@@ -1649,7 +1561,7 @@
     </p:spTree>
     <p:extLst>
       <p:ext uri="{BB962C8B-B14F-4D97-AF65-F5344CB8AC3E}">
-        <p14:creationId xmlns:p14="http://schemas.microsoft.com/office/powerpoint/2010/main" val="1026281718"/>
+        <p14:creationId xmlns:p14="http://schemas.microsoft.com/office/powerpoint/2010/main" val="2308133455"/>
       </p:ext>
     </p:extLst>
   </p:cSld>
@@ -1735,7 +1647,7 @@
           <p:cNvPr id="5" name="Footer Placeholder 4">
             <a:extLst>
               <a:ext uri="{FF2B5EF4-FFF2-40B4-BE49-F238E27FC236}">
-                <a16:creationId xmlns:a16="http://schemas.microsoft.com/office/drawing/2014/main" id="{CB8CDB0F-FB86-2A8F-D864-A7A5FD2FAF9A}"/>
+                <a16:creationId xmlns:a16="http://schemas.microsoft.com/office/drawing/2014/main" id="{05637577-8A77-D2A9-CB5F-BDC2C8582DDE}"/>
               </a:ext>
             </a:extLst>
           </p:cNvPr>
@@ -1758,7 +1670,7 @@
     </p:spTree>
     <p:extLst>
       <p:ext uri="{BB962C8B-B14F-4D97-AF65-F5344CB8AC3E}">
-        <p14:creationId xmlns:p14="http://schemas.microsoft.com/office/powerpoint/2010/main" val="2308133455"/>
+        <p14:creationId xmlns:p14="http://schemas.microsoft.com/office/powerpoint/2010/main" val="1026281718"/>
       </p:ext>
     </p:extLst>
   </p:cSld>
@@ -2019,7 +1931,7 @@
                 <a16:creationId xmlns:a16="http://schemas.microsoft.com/office/drawing/2014/main" id="{4D792B1F-855B-FC83-1023-94C0976E9848}"/>
               </a:ext>
               <a:ext uri="{C183D7F6-B498-43B3-948B-1728B52AA6E4}">
-                <adec:decorative xmlns:adec="http://schemas.microsoft.com/office/drawing/2017/decorative" val="1"/>
+                <adec:decorative xmlns="" xmlns:adec="http://schemas.microsoft.com/office/drawing/2017/decorative" val="1"/>
               </a:ext>
             </a:extLst>
           </p:cNvPr>
@@ -2221,7 +2133,7 @@
                 <a16:creationId xmlns:a16="http://schemas.microsoft.com/office/drawing/2014/main" id="{EF359D7C-AC03-77FE-CA1D-B96B46B08D16}"/>
               </a:ext>
               <a:ext uri="{C183D7F6-B498-43B3-948B-1728B52AA6E4}">
-                <adec:decorative xmlns:adec="http://schemas.microsoft.com/office/drawing/2017/decorative" val="1"/>
+                <adec:decorative xmlns="" xmlns:adec="http://schemas.microsoft.com/office/drawing/2017/decorative" val="1"/>
               </a:ext>
             </a:extLst>
           </p:cNvPr>
@@ -2551,7 +2463,7 @@
                 <a16:creationId xmlns:a16="http://schemas.microsoft.com/office/drawing/2014/main" id="{C9AA487F-3729-4692-1A21-35558A2D840B}"/>
               </a:ext>
               <a:ext uri="{C183D7F6-B498-43B3-948B-1728B52AA6E4}">
-                <adec:decorative xmlns:adec="http://schemas.microsoft.com/office/drawing/2017/decorative" val="1"/>
+                <adec:decorative xmlns="" xmlns:adec="http://schemas.microsoft.com/office/drawing/2017/decorative" val="1"/>
               </a:ext>
             </a:extLst>
           </p:cNvPr>
@@ -2676,7 +2588,7 @@
                 <a16:creationId xmlns:a16="http://schemas.microsoft.com/office/drawing/2014/main" id="{84B8E19A-569B-855B-EBF8-C02F2998ABC8}"/>
               </a:ext>
               <a:ext uri="{C183D7F6-B498-43B3-948B-1728B52AA6E4}">
-                <adec:decorative xmlns:adec="http://schemas.microsoft.com/office/drawing/2017/decorative" val="1"/>
+                <adec:decorative xmlns="" xmlns:adec="http://schemas.microsoft.com/office/drawing/2017/decorative" val="1"/>
               </a:ext>
             </a:extLst>
           </p:cNvPr>
@@ -5386,7 +5298,7 @@
                 <a16:creationId xmlns:a16="http://schemas.microsoft.com/office/drawing/2014/main" id="{4A781A8E-199F-1F48-C80E-B6501B563323}"/>
               </a:ext>
               <a:ext uri="{C183D7F6-B498-43B3-948B-1728B52AA6E4}">
-                <adec:decorative xmlns:adec="http://schemas.microsoft.com/office/drawing/2017/decorative" val="1"/>
+                <adec:decorative xmlns="" xmlns:adec="http://schemas.microsoft.com/office/drawing/2017/decorative" val="1"/>
               </a:ext>
             </a:extLst>
           </p:cNvPr>
@@ -5510,7 +5422,7 @@
                 <a16:creationId xmlns:a16="http://schemas.microsoft.com/office/drawing/2014/main" id="{11C6679A-1B60-DCCD-7295-255649B92C60}"/>
               </a:ext>
               <a:ext uri="{C183D7F6-B498-43B3-948B-1728B52AA6E4}">
-                <adec:decorative xmlns:adec="http://schemas.microsoft.com/office/drawing/2017/decorative" val="1"/>
+                <adec:decorative xmlns="" xmlns:adec="http://schemas.microsoft.com/office/drawing/2017/decorative" val="1"/>
               </a:ext>
             </a:extLst>
           </p:cNvPr>
@@ -5768,7 +5680,7 @@
                 <a16:creationId xmlns:a16="http://schemas.microsoft.com/office/drawing/2014/main" id="{1C466053-4CA7-4CBB-C1D2-19FE899BEDFC}"/>
               </a:ext>
               <a:ext uri="{C183D7F6-B498-43B3-948B-1728B52AA6E4}">
-                <adec:decorative xmlns:adec="http://schemas.microsoft.com/office/drawing/2017/decorative" val="1"/>
+                <adec:decorative xmlns="" xmlns:adec="http://schemas.microsoft.com/office/drawing/2017/decorative" val="1"/>
               </a:ext>
             </a:extLst>
           </p:cNvPr>
@@ -6787,7 +6699,7 @@
                 <a16:creationId xmlns:a16="http://schemas.microsoft.com/office/drawing/2014/main" id="{1100480F-88D3-CF82-FAF8-9527C86BCAE2}"/>
               </a:ext>
               <a:ext uri="{C183D7F6-B498-43B3-948B-1728B52AA6E4}">
-                <adec:decorative xmlns:adec="http://schemas.microsoft.com/office/drawing/2017/decorative" val="1"/>
+                <adec:decorative xmlns="" xmlns:adec="http://schemas.microsoft.com/office/drawing/2017/decorative" val="1"/>
               </a:ext>
             </a:extLst>
           </p:cNvPr>
@@ -7187,7 +7099,7 @@
                 <a16:creationId xmlns:a16="http://schemas.microsoft.com/office/drawing/2014/main" id="{B05A86D8-26B0-1ADB-0CE2-B445D2A2866D}"/>
               </a:ext>
               <a:ext uri="{C183D7F6-B498-43B3-948B-1728B52AA6E4}">
-                <adec:decorative xmlns:adec="http://schemas.microsoft.com/office/drawing/2017/decorative" val="1"/>
+                <adec:decorative xmlns="" xmlns:adec="http://schemas.microsoft.com/office/drawing/2017/decorative" val="1"/>
               </a:ext>
             </a:extLst>
           </p:cNvPr>
@@ -7320,7 +7232,7 @@
                 <a16:creationId xmlns:a16="http://schemas.microsoft.com/office/drawing/2014/main" id="{33A68E8B-64DF-46D3-2FA2-4BBBBF8BFB15}"/>
               </a:ext>
               <a:ext uri="{C183D7F6-B498-43B3-948B-1728B52AA6E4}">
-                <adec:decorative xmlns:adec="http://schemas.microsoft.com/office/drawing/2017/decorative" val="1"/>
+                <adec:decorative xmlns="" xmlns:adec="http://schemas.microsoft.com/office/drawing/2017/decorative" val="1"/>
               </a:ext>
             </a:extLst>
           </p:cNvPr>
@@ -7959,7 +7871,7 @@
                 <a16:creationId xmlns:a16="http://schemas.microsoft.com/office/drawing/2014/main" id="{CADEA8BB-3550-ABDA-99A6-455084D5D432}"/>
               </a:ext>
               <a:ext uri="{C183D7F6-B498-43B3-948B-1728B52AA6E4}">
-                <adec:decorative xmlns:adec="http://schemas.microsoft.com/office/drawing/2017/decorative" val="1"/>
+                <adec:decorative xmlns="" xmlns:adec="http://schemas.microsoft.com/office/drawing/2017/decorative" val="1"/>
               </a:ext>
             </a:extLst>
           </p:cNvPr>
@@ -8152,7 +8064,7 @@
                 <a16:creationId xmlns:a16="http://schemas.microsoft.com/office/drawing/2014/main" id="{F0A8F0DB-3D3D-DC0F-84AC-4386B58AD6E5}"/>
               </a:ext>
               <a:ext uri="{C183D7F6-B498-43B3-948B-1728B52AA6E4}">
-                <adec:decorative xmlns:adec="http://schemas.microsoft.com/office/drawing/2017/decorative" val="1"/>
+                <adec:decorative xmlns="" xmlns:adec="http://schemas.microsoft.com/office/drawing/2017/decorative" val="1"/>
               </a:ext>
             </a:extLst>
           </p:cNvPr>
@@ -8442,7 +8354,7 @@
                 <a16:creationId xmlns:a16="http://schemas.microsoft.com/office/drawing/2014/main" id="{686C03E6-655F-A394-4461-7BC878C418BB}"/>
               </a:ext>
               <a:ext uri="{C183D7F6-B498-43B3-948B-1728B52AA6E4}">
-                <adec:decorative xmlns:adec="http://schemas.microsoft.com/office/drawing/2017/decorative" val="1"/>
+                <adec:decorative xmlns="" xmlns:adec="http://schemas.microsoft.com/office/drawing/2017/decorative" val="1"/>
               </a:ext>
             </a:extLst>
           </p:cNvPr>
@@ -8606,7 +8518,7 @@
                 <a16:creationId xmlns:a16="http://schemas.microsoft.com/office/drawing/2014/main" id="{BF7A62BA-11D3-585A-8CBD-5E0FB4DE522D}"/>
               </a:ext>
               <a:ext uri="{C183D7F6-B498-43B3-948B-1728B52AA6E4}">
-                <adec:decorative xmlns:adec="http://schemas.microsoft.com/office/drawing/2017/decorative" val="1"/>
+                <adec:decorative xmlns="" xmlns:adec="http://schemas.microsoft.com/office/drawing/2017/decorative" val="1"/>
               </a:ext>
             </a:extLst>
           </p:cNvPr>
@@ -9820,7 +9732,7 @@
                 <a16:creationId xmlns:a16="http://schemas.microsoft.com/office/drawing/2014/main" id="{8E1AE81E-772F-B009-AF15-C0FC060518A7}"/>
               </a:ext>
               <a:ext uri="{C183D7F6-B498-43B3-948B-1728B52AA6E4}">
-                <adec:decorative xmlns:adec="http://schemas.microsoft.com/office/drawing/2017/decorative" val="1"/>
+                <adec:decorative xmlns="" xmlns:adec="http://schemas.microsoft.com/office/drawing/2017/decorative" val="1"/>
               </a:ext>
             </a:extLst>
           </p:cNvPr>
@@ -10328,7 +10240,7 @@
                 <a16:creationId xmlns:a16="http://schemas.microsoft.com/office/drawing/2014/main" id="{ADCC72F6-C144-5508-40C5-E1B3FC085B94}"/>
               </a:ext>
               <a:ext uri="{C183D7F6-B498-43B3-948B-1728B52AA6E4}">
-                <adec:decorative xmlns:adec="http://schemas.microsoft.com/office/drawing/2017/decorative" val="1"/>
+                <adec:decorative xmlns="" xmlns:adec="http://schemas.microsoft.com/office/drawing/2017/decorative" val="1"/>
               </a:ext>
             </a:extLst>
           </p:cNvPr>
@@ -10351,7 +10263,7 @@
                   <a16:creationId xmlns:a16="http://schemas.microsoft.com/office/drawing/2014/main" id="{FF76D2EA-2C6E-B0B2-DC0D-F9EF636E5856}"/>
                 </a:ext>
                 <a:ext uri="{C183D7F6-B498-43B3-948B-1728B52AA6E4}">
-                  <adec:decorative xmlns:adec="http://schemas.microsoft.com/office/drawing/2017/decorative" val="1"/>
+                  <adec:decorative xmlns="" xmlns:adec="http://schemas.microsoft.com/office/drawing/2017/decorative" val="1"/>
                 </a:ext>
               </a:extLst>
             </p:cNvPr>
@@ -10575,7 +10487,7 @@
                   <a16:creationId xmlns:a16="http://schemas.microsoft.com/office/drawing/2014/main" id="{90315871-F40F-D512-8E3F-B40F36BD4224}"/>
                 </a:ext>
                 <a:ext uri="{C183D7F6-B498-43B3-948B-1728B52AA6E4}">
-                  <adec:decorative xmlns:adec="http://schemas.microsoft.com/office/drawing/2017/decorative" val="1"/>
+                  <adec:decorative xmlns="" xmlns:adec="http://schemas.microsoft.com/office/drawing/2017/decorative" val="1"/>
                 </a:ext>
               </a:extLst>
             </p:cNvPr>
@@ -10776,7 +10688,7 @@
                 <a16:creationId xmlns:a16="http://schemas.microsoft.com/office/drawing/2014/main" id="{10C11C1A-EFCF-278A-D083-93F07D4DEA67}"/>
               </a:ext>
               <a:ext uri="{C183D7F6-B498-43B3-948B-1728B52AA6E4}">
-                <adec:decorative xmlns:adec="http://schemas.microsoft.com/office/drawing/2017/decorative" val="1"/>
+                <adec:decorative xmlns="" xmlns:adec="http://schemas.microsoft.com/office/drawing/2017/decorative" val="1"/>
               </a:ext>
             </a:extLst>
           </p:cNvPr>
@@ -12059,7 +11971,7 @@
                 <a16:creationId xmlns:a16="http://schemas.microsoft.com/office/drawing/2014/main" id="{941984E2-3225-05D3-3A3D-9D5F5840ED60}"/>
               </a:ext>
               <a:ext uri="{C183D7F6-B498-43B3-948B-1728B52AA6E4}">
-                <adec:decorative xmlns:adec="http://schemas.microsoft.com/office/drawing/2017/decorative" val="1"/>
+                <adec:decorative xmlns="" xmlns:adec="http://schemas.microsoft.com/office/drawing/2017/decorative" val="1"/>
               </a:ext>
             </a:extLst>
           </p:cNvPr>
@@ -12232,7 +12144,7 @@
                 <a16:creationId xmlns:a16="http://schemas.microsoft.com/office/drawing/2014/main" id="{070813B7-403A-9A3E-5E5C-44C1680DE4C3}"/>
               </a:ext>
               <a:ext uri="{C183D7F6-B498-43B3-948B-1728B52AA6E4}">
-                <adec:decorative xmlns:adec="http://schemas.microsoft.com/office/drawing/2017/decorative" val="1"/>
+                <adec:decorative xmlns="" xmlns:adec="http://schemas.microsoft.com/office/drawing/2017/decorative" val="1"/>
               </a:ext>
             </a:extLst>
           </p:cNvPr>
@@ -13386,7 +13298,7 @@
                 <a16:creationId xmlns:a16="http://schemas.microsoft.com/office/drawing/2014/main" id="{7A7BB3C1-4B05-D5B3-C61C-1CD390CEEF2B}"/>
               </a:ext>
               <a:ext uri="{C183D7F6-B498-43B3-948B-1728B52AA6E4}">
-                <adec:decorative xmlns:adec="http://schemas.microsoft.com/office/drawing/2017/decorative" val="1"/>
+                <adec:decorative xmlns="" xmlns:adec="http://schemas.microsoft.com/office/drawing/2017/decorative" val="1"/>
               </a:ext>
             </a:extLst>
           </p:cNvPr>
@@ -13610,7 +13522,7 @@
                 <a16:creationId xmlns:a16="http://schemas.microsoft.com/office/drawing/2014/main" id="{CE6955A7-F39A-1FBB-FF32-C6F0E3289273}"/>
               </a:ext>
               <a:ext uri="{C183D7F6-B498-43B3-948B-1728B52AA6E4}">
-                <adec:decorative xmlns:adec="http://schemas.microsoft.com/office/drawing/2017/decorative" val="1"/>
+                <adec:decorative xmlns="" xmlns:adec="http://schemas.microsoft.com/office/drawing/2017/decorative" val="1"/>
               </a:ext>
             </a:extLst>
           </p:cNvPr>
@@ -14040,7 +13952,7 @@
                 <a16:creationId xmlns:a16="http://schemas.microsoft.com/office/drawing/2014/main" id="{B5ED90D1-D640-D115-6711-35DE812FC014}"/>
               </a:ext>
               <a:ext uri="{C183D7F6-B498-43B3-948B-1728B52AA6E4}">
-                <adec:decorative xmlns:adec="http://schemas.microsoft.com/office/drawing/2017/decorative" val="1"/>
+                <adec:decorative xmlns="" xmlns:adec="http://schemas.microsoft.com/office/drawing/2017/decorative" val="1"/>
               </a:ext>
             </a:extLst>
           </p:cNvPr>
@@ -14074,7 +13986,7 @@
                 <a16:creationId xmlns:a16="http://schemas.microsoft.com/office/drawing/2014/main" id="{F8D9EAE4-01F5-6C99-C91E-BF0FD0CD1CEF}"/>
               </a:ext>
               <a:ext uri="{C183D7F6-B498-43B3-948B-1728B52AA6E4}">
-                <adec:decorative xmlns:adec="http://schemas.microsoft.com/office/drawing/2017/decorative" val="1"/>
+                <adec:decorative xmlns="" xmlns:adec="http://schemas.microsoft.com/office/drawing/2017/decorative" val="1"/>
               </a:ext>
             </a:extLst>
           </p:cNvPr>
@@ -14517,7 +14429,7 @@
                 <a16:creationId xmlns:a16="http://schemas.microsoft.com/office/drawing/2014/main" id="{D24A04BE-9BA3-80DD-EE68-A8B8BA08532B}"/>
               </a:ext>
               <a:ext uri="{C183D7F6-B498-43B3-948B-1728B52AA6E4}">
-                <adec:decorative xmlns:adec="http://schemas.microsoft.com/office/drawing/2017/decorative" val="1"/>
+                <adec:decorative xmlns="" xmlns:adec="http://schemas.microsoft.com/office/drawing/2017/decorative" val="1"/>
               </a:ext>
             </a:extLst>
           </p:cNvPr>
@@ -14675,7 +14587,7 @@
                 <a16:creationId xmlns:a16="http://schemas.microsoft.com/office/drawing/2014/main" id="{9E4F6A04-3331-D4C7-3EAE-0F69B48A7C71}"/>
               </a:ext>
               <a:ext uri="{C183D7F6-B498-43B3-948B-1728B52AA6E4}">
-                <adec:decorative xmlns:adec="http://schemas.microsoft.com/office/drawing/2017/decorative" val="1"/>
+                <adec:decorative xmlns="" xmlns:adec="http://schemas.microsoft.com/office/drawing/2017/decorative" val="1"/>
               </a:ext>
             </a:extLst>
           </p:cNvPr>
@@ -14859,7 +14771,7 @@
                 <a16:creationId xmlns:a16="http://schemas.microsoft.com/office/drawing/2014/main" id="{0587ACFB-02E0-79F1-D5B0-E8B18598D688}"/>
               </a:ext>
               <a:ext uri="{C183D7F6-B498-43B3-948B-1728B52AA6E4}">
-                <adec:decorative xmlns:adec="http://schemas.microsoft.com/office/drawing/2017/decorative" val="1"/>
+                <adec:decorative xmlns="" xmlns:adec="http://schemas.microsoft.com/office/drawing/2017/decorative" val="1"/>
               </a:ext>
             </a:extLst>
           </p:cNvPr>
@@ -15409,7 +15321,7 @@
                 <a16:creationId xmlns:a16="http://schemas.microsoft.com/office/drawing/2014/main" id="{98639877-C4A6-4E44-C600-FE3C6CD5F187}"/>
               </a:ext>
               <a:ext uri="{C183D7F6-B498-43B3-948B-1728B52AA6E4}">
-                <adec:decorative xmlns:adec="http://schemas.microsoft.com/office/drawing/2017/decorative" val="1"/>
+                <adec:decorative xmlns="" xmlns:adec="http://schemas.microsoft.com/office/drawing/2017/decorative" val="1"/>
               </a:ext>
             </a:extLst>
           </p:cNvPr>
@@ -15432,7 +15344,7 @@
                   <a16:creationId xmlns:a16="http://schemas.microsoft.com/office/drawing/2014/main" id="{F0439AA5-A7EE-A20E-BB67-D356776D0B21}"/>
                 </a:ext>
                 <a:ext uri="{C183D7F6-B498-43B3-948B-1728B52AA6E4}">
-                  <adec:decorative xmlns:adec="http://schemas.microsoft.com/office/drawing/2017/decorative" val="1"/>
+                  <adec:decorative xmlns="" xmlns:adec="http://schemas.microsoft.com/office/drawing/2017/decorative" val="1"/>
                 </a:ext>
               </a:extLst>
             </p:cNvPr>
@@ -15656,7 +15568,7 @@
                   <a16:creationId xmlns:a16="http://schemas.microsoft.com/office/drawing/2014/main" id="{39E752F7-61F0-6779-9E8E-3541BFF7D2CF}"/>
                 </a:ext>
                 <a:ext uri="{C183D7F6-B498-43B3-948B-1728B52AA6E4}">
-                  <adec:decorative xmlns:adec="http://schemas.microsoft.com/office/drawing/2017/decorative" val="1"/>
+                  <adec:decorative xmlns="" xmlns:adec="http://schemas.microsoft.com/office/drawing/2017/decorative" val="1"/>
                 </a:ext>
               </a:extLst>
             </p:cNvPr>
@@ -15894,7 +15806,7 @@
                 <a16:creationId xmlns:a16="http://schemas.microsoft.com/office/drawing/2014/main" id="{6FD0E545-8D0D-B848-836A-23CEBCD6B0A5}"/>
               </a:ext>
               <a:ext uri="{C183D7F6-B498-43B3-948B-1728B52AA6E4}">
-                <adec:decorative xmlns:adec="http://schemas.microsoft.com/office/drawing/2017/decorative" val="1"/>
+                <adec:decorative xmlns="" xmlns:adec="http://schemas.microsoft.com/office/drawing/2017/decorative" val="1"/>
               </a:ext>
             </a:extLst>
           </p:cNvPr>
@@ -15999,7 +15911,7 @@
                 <a16:creationId xmlns:a16="http://schemas.microsoft.com/office/drawing/2014/main" id="{7114E853-6F7C-9899-77FD-0E77D0A86207}"/>
               </a:ext>
               <a:ext uri="{C183D7F6-B498-43B3-948B-1728B52AA6E4}">
-                <adec:decorative xmlns:adec="http://schemas.microsoft.com/office/drawing/2017/decorative" val="1"/>
+                <adec:decorative xmlns="" xmlns:adec="http://schemas.microsoft.com/office/drawing/2017/decorative" val="1"/>
               </a:ext>
             </a:extLst>
           </p:cNvPr>
@@ -17013,7 +16925,7 @@
                 <a16:creationId xmlns:a16="http://schemas.microsoft.com/office/drawing/2014/main" id="{69002426-033B-400A-C519-AF4C659C4F05}"/>
               </a:ext>
               <a:ext uri="{C183D7F6-B498-43B3-948B-1728B52AA6E4}">
-                <adec:decorative xmlns:adec="http://schemas.microsoft.com/office/drawing/2017/decorative" val="1"/>
+                <adec:decorative xmlns="" xmlns:adec="http://schemas.microsoft.com/office/drawing/2017/decorative" val="1"/>
               </a:ext>
             </a:extLst>
           </p:cNvPr>
@@ -17304,7 +17216,7 @@
                 <a16:creationId xmlns:a16="http://schemas.microsoft.com/office/drawing/2014/main" id="{90FA743D-BDB5-4069-7325-E91CA7BC3ED7}"/>
               </a:ext>
               <a:ext uri="{C183D7F6-B498-43B3-948B-1728B52AA6E4}">
-                <adec:decorative xmlns:adec="http://schemas.microsoft.com/office/drawing/2017/decorative" val="1"/>
+                <adec:decorative xmlns="" xmlns:adec="http://schemas.microsoft.com/office/drawing/2017/decorative" val="1"/>
               </a:ext>
             </a:extLst>
           </p:cNvPr>
@@ -17428,7 +17340,7 @@
                 <a16:creationId xmlns:a16="http://schemas.microsoft.com/office/drawing/2014/main" id="{2FE03F25-D589-68A8-30C7-175547B6A9EE}"/>
               </a:ext>
               <a:ext uri="{C183D7F6-B498-43B3-948B-1728B52AA6E4}">
-                <adec:decorative xmlns:adec="http://schemas.microsoft.com/office/drawing/2017/decorative" val="1"/>
+                <adec:decorative xmlns="" xmlns:adec="http://schemas.microsoft.com/office/drawing/2017/decorative" val="1"/>
               </a:ext>
             </a:extLst>
           </p:cNvPr>
@@ -19741,7 +19653,7 @@
                 <a16:creationId xmlns:a16="http://schemas.microsoft.com/office/drawing/2014/main" id="{7CB19B63-2AAF-E86D-D7F1-B659DB36B5AC}"/>
               </a:ext>
               <a:ext uri="{C183D7F6-B498-43B3-948B-1728B52AA6E4}">
-                <adec:decorative xmlns:adec="http://schemas.microsoft.com/office/drawing/2017/decorative" val="1"/>
+                <adec:decorative xmlns="" xmlns:adec="http://schemas.microsoft.com/office/drawing/2017/decorative" val="1"/>
               </a:ext>
             </a:extLst>
           </p:cNvPr>
@@ -19755,7 +19667,7 @@
             <a:alphaModFix/>
             <a:extLst>
               <a:ext uri="{96DAC541-7B7A-43D3-8B79-37D633B846F1}">
-                <asvg:svgBlip xmlns:asvg="http://schemas.microsoft.com/office/drawing/2016/SVG/main" r:embed="rId3"/>
+                <asvg:svgBlip xmlns="" xmlns:asvg="http://schemas.microsoft.com/office/drawing/2016/SVG/main" r:embed="rId3"/>
               </a:ext>
             </a:extLst>
           </a:blip>
@@ -19825,7 +19737,7 @@
                 <a16:creationId xmlns:a16="http://schemas.microsoft.com/office/drawing/2014/main" id="{83712F38-4391-A499-56E2-8F095A506D08}"/>
               </a:ext>
               <a:ext uri="{C183D7F6-B498-43B3-948B-1728B52AA6E4}">
-                <adec:decorative xmlns:adec="http://schemas.microsoft.com/office/drawing/2017/decorative" val="1"/>
+                <adec:decorative xmlns="" xmlns:adec="http://schemas.microsoft.com/office/drawing/2017/decorative" val="1"/>
               </a:ext>
             </a:extLst>
           </p:cNvPr>
@@ -21414,7 +21326,7 @@
                 <a16:creationId xmlns:a16="http://schemas.microsoft.com/office/drawing/2014/main" id="{A3F1B258-8FBC-06A8-3A1F-466CEEDBBEF2}"/>
               </a:ext>
               <a:ext uri="{C183D7F6-B498-43B3-948B-1728B52AA6E4}">
-                <adec:decorative xmlns:adec="http://schemas.microsoft.com/office/drawing/2017/decorative" val="1"/>
+                <adec:decorative xmlns="" xmlns:adec="http://schemas.microsoft.com/office/drawing/2017/decorative" val="1"/>
               </a:ext>
             </a:extLst>
           </p:cNvPr>
@@ -22350,7 +22262,7 @@
                 <a16:creationId xmlns:a16="http://schemas.microsoft.com/office/drawing/2014/main" id="{8BAD4AF0-64CE-5C0E-5440-00F8FC6B3194}"/>
               </a:ext>
               <a:ext uri="{C183D7F6-B498-43B3-948B-1728B52AA6E4}">
-                <adec:decorative xmlns:adec="http://schemas.microsoft.com/office/drawing/2017/decorative" val="1"/>
+                <adec:decorative xmlns="" xmlns:adec="http://schemas.microsoft.com/office/drawing/2017/decorative" val="1"/>
               </a:ext>
             </a:extLst>
           </p:cNvPr>
@@ -22615,7 +22527,7 @@
                 <a16:creationId xmlns:a16="http://schemas.microsoft.com/office/drawing/2014/main" id="{7DCD020E-88CF-303D-F947-8EE980AC8093}"/>
               </a:ext>
               <a:ext uri="{C183D7F6-B498-43B3-948B-1728B52AA6E4}">
-                <adec:decorative xmlns:adec="http://schemas.microsoft.com/office/drawing/2017/decorative" val="1"/>
+                <adec:decorative xmlns="" xmlns:adec="http://schemas.microsoft.com/office/drawing/2017/decorative" val="1"/>
               </a:ext>
             </a:extLst>
           </p:cNvPr>
@@ -24988,7 +24900,7 @@
                 <a16:creationId xmlns:a16="http://schemas.microsoft.com/office/drawing/2014/main" id="{EB31668E-263B-8FB1-9DBB-25F22BB441B3}"/>
               </a:ext>
               <a:ext uri="{C183D7F6-B498-43B3-948B-1728B52AA6E4}">
-                <adec:decorative xmlns:adec="http://schemas.microsoft.com/office/drawing/2017/decorative" val="1"/>
+                <adec:decorative xmlns="" xmlns:adec="http://schemas.microsoft.com/office/drawing/2017/decorative" val="1"/>
               </a:ext>
             </a:extLst>
           </p:cNvPr>
@@ -25103,7 +25015,7 @@
                 <a16:creationId xmlns:a16="http://schemas.microsoft.com/office/drawing/2014/main" id="{0972DA96-A413-EF87-50D3-D8EF54FD9F55}"/>
               </a:ext>
               <a:ext uri="{C183D7F6-B498-43B3-948B-1728B52AA6E4}">
-                <adec:decorative xmlns:adec="http://schemas.microsoft.com/office/drawing/2017/decorative" val="1"/>
+                <adec:decorative xmlns="" xmlns:adec="http://schemas.microsoft.com/office/drawing/2017/decorative" val="1"/>
               </a:ext>
             </a:extLst>
           </p:cNvPr>
@@ -27947,8 +27859,8 @@
         </p:blipFill>
         <p:spPr bwMode="auto">
           <a:xfrm>
-            <a:off x="9287219" y="147359"/>
-            <a:ext cx="2662410" cy="1805840"/>
+            <a:off x="5542459" y="2216686"/>
+            <a:ext cx="3932047" cy="2667000"/>
           </a:xfrm>
           <a:prstGeom prst="rect">
             <a:avLst/>
@@ -27997,121 +27909,6 @@
           </a:p>
         </p:txBody>
       </p:sp>
-      <p:sp>
-        <p:nvSpPr>
-          <p:cNvPr id="2" name="TextBox 1">
-            <a:extLst>
-              <a:ext uri="{FF2B5EF4-FFF2-40B4-BE49-F238E27FC236}">
-                <a16:creationId xmlns:a16="http://schemas.microsoft.com/office/drawing/2014/main" id="{D72FD935-5626-10EB-E41F-D5A92003424A}"/>
-              </a:ext>
-            </a:extLst>
-          </p:cNvPr>
-          <p:cNvSpPr txBox="1"/>
-          <p:nvPr/>
-        </p:nvSpPr>
-        <p:spPr>
-          <a:xfrm>
-            <a:off x="870333" y="4979624"/>
-            <a:ext cx="2655065" cy="1200329"/>
-          </a:xfrm>
-          <a:prstGeom prst="rect">
-            <a:avLst/>
-          </a:prstGeom>
-          <a:noFill/>
-        </p:spPr>
-        <p:txBody>
-          <a:bodyPr wrap="square" rtlCol="0">
-            <a:spAutoFit/>
-          </a:bodyPr>
-          <a:lstStyle/>
-          <a:p>
-            <a:pPr marL="285750" indent="-285750">
-              <a:buFont typeface="Arial" panose="020B0604020202020204" pitchFamily="34" charset="0"/>
-              <a:buChar char="•"/>
-            </a:pPr>
-            <a:r>
-              <a:rPr lang="en-US" dirty="0"/>
-              <a:t>Aakriti Parajuli</a:t>
-            </a:r>
-          </a:p>
-          <a:p>
-            <a:pPr marL="285750" indent="-285750">
-              <a:buFont typeface="Arial" panose="020B0604020202020204" pitchFamily="34" charset="0"/>
-              <a:buChar char="•"/>
-            </a:pPr>
-            <a:r>
-              <a:rPr lang="en-US" dirty="0"/>
-              <a:t>Rebecca Ghimire</a:t>
-            </a:r>
-          </a:p>
-          <a:p>
-            <a:pPr marL="285750" indent="-285750">
-              <a:buFont typeface="Arial" panose="020B0604020202020204" pitchFamily="34" charset="0"/>
-              <a:buChar char="•"/>
-            </a:pPr>
-            <a:r>
-              <a:rPr lang="en-US" dirty="0" err="1"/>
-              <a:t>Sambhawi</a:t>
-            </a:r>
-            <a:r>
-              <a:rPr lang="en-US" dirty="0"/>
-              <a:t> </a:t>
-            </a:r>
-            <a:r>
-              <a:rPr lang="en-US" dirty="0" err="1"/>
-              <a:t>Baral</a:t>
-            </a:r>
-            <a:endParaRPr lang="en-US" dirty="0"/>
-          </a:p>
-          <a:p>
-            <a:pPr marL="285750" indent="-285750">
-              <a:buFont typeface="Arial" panose="020B0604020202020204" pitchFamily="34" charset="0"/>
-              <a:buChar char="•"/>
-            </a:pPr>
-            <a:endParaRPr lang="en-US" dirty="0"/>
-          </a:p>
-        </p:txBody>
-      </p:sp>
-      <p:sp>
-        <p:nvSpPr>
-          <p:cNvPr id="6" name="TextBox 5">
-            <a:extLst>
-              <a:ext uri="{FF2B5EF4-FFF2-40B4-BE49-F238E27FC236}">
-                <a16:creationId xmlns:a16="http://schemas.microsoft.com/office/drawing/2014/main" id="{FFF6EFDD-9770-4658-8DF1-461FE0F148F8}"/>
-              </a:ext>
-            </a:extLst>
-          </p:cNvPr>
-          <p:cNvSpPr txBox="1"/>
-          <p:nvPr/>
-        </p:nvSpPr>
-        <p:spPr>
-          <a:xfrm>
-            <a:off x="5277079" y="2908452"/>
-            <a:ext cx="3573137" cy="830997"/>
-          </a:xfrm>
-          <a:prstGeom prst="rect">
-            <a:avLst/>
-          </a:prstGeom>
-          <a:noFill/>
-        </p:spPr>
-        <p:txBody>
-          <a:bodyPr wrap="square" rtlCol="0">
-            <a:spAutoFit/>
-          </a:bodyPr>
-          <a:lstStyle/>
-          <a:p>
-            <a:r>
-              <a:rPr lang="en-US" sz="4800" dirty="0" err="1">
-                <a:latin typeface="+mj-lt"/>
-              </a:rPr>
-              <a:t>BakeWise</a:t>
-            </a:r>
-            <a:endParaRPr lang="en-US" sz="4800" dirty="0">
-              <a:latin typeface="+mj-lt"/>
-            </a:endParaRPr>
-          </a:p>
-        </p:txBody>
-      </p:sp>
     </p:spTree>
     <p:extLst>
       <p:ext uri="{BB962C8B-B14F-4D97-AF65-F5344CB8AC3E}">
@@ -28122,13 +27919,13 @@
   <p:clrMapOvr>
     <a:masterClrMapping/>
   </p:clrMapOvr>
-  <mc:AlternateContent xmlns:mc="http://schemas.openxmlformats.org/markup-compatibility/2006" xmlns:p159="http://schemas.microsoft.com/office/powerpoint/2015/09/main">
-    <mc:Choice Requires="p159">
+  <mc:AlternateContent xmlns:mc="http://schemas.openxmlformats.org/markup-compatibility/2006">
+    <mc:Choice xmlns="" xmlns:p159="http://schemas.microsoft.com/office/powerpoint/2015/09/main" Requires="p159">
       <p:transition xmlns:p14="http://schemas.microsoft.com/office/powerpoint/2010/main" spd="slow" p14:dur="2000">
         <p159:morph option="byObject"/>
       </p:transition>
     </mc:Choice>
-    <mc:Fallback xmlns="">
+    <mc:Fallback>
       <p:transition spd="slow">
         <p:fade/>
       </p:transition>
@@ -28360,13 +28157,13 @@
   <p:clrMapOvr>
     <a:masterClrMapping/>
   </p:clrMapOvr>
-  <mc:AlternateContent xmlns:mc="http://schemas.openxmlformats.org/markup-compatibility/2006" xmlns:p159="http://schemas.microsoft.com/office/powerpoint/2015/09/main">
-    <mc:Choice Requires="p159">
+  <mc:AlternateContent xmlns:mc="http://schemas.openxmlformats.org/markup-compatibility/2006">
+    <mc:Choice xmlns="" xmlns:p159="http://schemas.microsoft.com/office/powerpoint/2015/09/main" Requires="p159">
       <p:transition xmlns:p14="http://schemas.microsoft.com/office/powerpoint/2010/main" spd="slow" p14:dur="2000">
         <p159:morph option="byObject"/>
       </p:transition>
     </mc:Choice>
-    <mc:Fallback xmlns="">
+    <mc:Fallback>
       <p:transition spd="slow">
         <p:fade/>
       </p:transition>
@@ -28529,14 +28326,14 @@
             <p:ph idx="1"/>
             <p:extLst>
               <p:ext uri="{D42A27DB-BD31-4B8C-83A1-F6EECF244321}">
-                <p14:modId xmlns:p14="http://schemas.microsoft.com/office/powerpoint/2010/main" val="2120577627"/>
+                <p14:modId xmlns:p14="http://schemas.microsoft.com/office/powerpoint/2010/main" val="3976284655"/>
               </p:ext>
             </p:extLst>
           </p:nvPr>
         </p:nvGraphicFramePr>
         <p:xfrm>
           <a:off x="7220056" y="174344"/>
-          <a:ext cx="4745371" cy="6115147"/>
+          <a:ext cx="4745371" cy="6126480"/>
         </p:xfrm>
         <a:graphic>
           <a:graphicData uri="http://schemas.openxmlformats.org/drawingml/2006/table">
@@ -29065,14 +28862,31 @@
                     <a:lstStyle/>
                     <a:p>
                       <a:pPr marL="0" algn="r" defTabSz="914400" rtl="0" eaLnBrk="1" latinLnBrk="0" hangingPunct="1"/>
-                      <a:endParaRPr lang="en-US" sz="2400" b="1" kern="1200" dirty="0">
-                        <a:solidFill>
-                          <a:schemeClr val="tx1"/>
-                        </a:solidFill>
-                        <a:latin typeface="+mn-lt"/>
-                        <a:ea typeface="+mn-ea"/>
-                        <a:cs typeface="+mn-cs"/>
-                      </a:endParaRPr>
+                      <a:r>
+                        <a:rPr lang="en-US" sz="2400" b="0" kern="1200" dirty="0">
+                          <a:solidFill>
+                            <a:schemeClr val="tx1"/>
+                          </a:solidFill>
+                          <a:latin typeface="+mn-lt"/>
+                          <a:ea typeface="+mn-ea"/>
+                          <a:cs typeface="+mn-cs"/>
+                        </a:rPr>
+                        <a:t>REFERENCES</a:t>
+                      </a:r>
+                    </a:p>
+                    <a:p>
+                      <a:pPr marL="0" algn="r" defTabSz="914400" rtl="0" eaLnBrk="1" latinLnBrk="0" hangingPunct="1"/>
+                      <a:r>
+                        <a:rPr lang="en-US" sz="2400" b="1" kern="1200" dirty="0">
+                          <a:solidFill>
+                            <a:schemeClr val="tx1"/>
+                          </a:solidFill>
+                          <a:latin typeface="+mn-lt"/>
+                          <a:ea typeface="+mn-ea"/>
+                          <a:cs typeface="+mn-cs"/>
+                        </a:rPr>
+                        <a:t>9</a:t>
+                      </a:r>
                     </a:p>
                   </a:txBody>
                   <a:tcPr anchor="b">
@@ -29127,13 +28941,13 @@
   <p:clrMapOvr>
     <a:masterClrMapping/>
   </p:clrMapOvr>
-  <mc:AlternateContent xmlns:mc="http://schemas.openxmlformats.org/markup-compatibility/2006" xmlns:p159="http://schemas.microsoft.com/office/powerpoint/2015/09/main">
-    <mc:Choice Requires="p159">
+  <mc:AlternateContent xmlns:mc="http://schemas.openxmlformats.org/markup-compatibility/2006">
+    <mc:Choice xmlns="" xmlns:p159="http://schemas.microsoft.com/office/powerpoint/2015/09/main" Requires="p159">
       <p:transition xmlns:p14="http://schemas.microsoft.com/office/powerpoint/2010/main" spd="slow" p14:dur="2000">
         <p159:morph option="byObject"/>
       </p:transition>
     </mc:Choice>
-    <mc:Fallback xmlns="">
+    <mc:Fallback>
       <p:transition spd="slow">
         <p:fade/>
       </p:transition>
@@ -29392,8 +29206,8 @@
         </p:nvSpPr>
         <p:spPr>
           <a:xfrm>
-            <a:off x="363804" y="2207071"/>
-            <a:ext cx="10895434" cy="3970318"/>
+            <a:off x="606175" y="2533453"/>
+            <a:ext cx="6865706" cy="2677656"/>
           </a:xfrm>
           <a:prstGeom prst="rect">
             <a:avLst/>
@@ -29408,19 +29222,16 @@
           <a:p>
             <a:pPr algn="just"/>
             <a:r>
-              <a:rPr lang="en-US" sz="2800" dirty="0"/>
-              <a:t>A Bakery System Management platform is a valuable tool for bakery businesses looking to improve efficiency, enhance customer satisfaction and drive growth. Bakery System Management is the way of reducing the workload environment and enhancing the working system.</a:t>
+              <a:rPr lang="en-US" sz="2800"/>
+              <a:t>This </a:t>
             </a:r>
-          </a:p>
-          <a:p>
-            <a:pPr algn="just"/>
-            <a:endParaRPr lang="en-US" sz="2800" dirty="0"/>
-          </a:p>
-          <a:p>
-            <a:pPr algn="just"/>
+            <a:r>
+              <a:rPr lang="en-US" sz="2800" smtClean="0"/>
+              <a:t>project </a:t>
+            </a:r>
             <a:r>
               <a:rPr lang="en-US" sz="2800" dirty="0"/>
-              <a:t>This project involves creating an e-commerce platform for a bakery. The website will allow users to browse bakery products, add items to a cart, and place orders. The system will also handle user registration, payments, and order tracking.</a:t>
+              <a:t>involves creating an e-commerce platform for a bakery. The website will allow users to browse bakery products, add items to a cart, and place orders. The system will also handle user registration, payments, and order tracking.</a:t>
             </a:r>
           </a:p>
         </p:txBody>
@@ -29435,13 +29246,13 @@
   <p:clrMapOvr>
     <a:masterClrMapping/>
   </p:clrMapOvr>
-  <mc:AlternateContent xmlns:mc="http://schemas.openxmlformats.org/markup-compatibility/2006" xmlns:p159="http://schemas.microsoft.com/office/powerpoint/2015/09/main">
-    <mc:Choice Requires="p159">
+  <mc:AlternateContent xmlns:mc="http://schemas.openxmlformats.org/markup-compatibility/2006">
+    <mc:Choice xmlns="" xmlns:p159="http://schemas.microsoft.com/office/powerpoint/2015/09/main" Requires="p159">
       <p:transition xmlns:p14="http://schemas.microsoft.com/office/powerpoint/2010/main" spd="slow" p14:dur="2000">
         <p159:morph option="byObject"/>
       </p:transition>
     </mc:Choice>
-    <mc:Fallback xmlns="">
+    <mc:Fallback>
       <p:transition spd="slow">
         <p:fade/>
       </p:transition>
@@ -29735,13 +29546,23 @@
         </p:nvSpPr>
         <p:spPr>
           <a:xfrm>
-            <a:off x="231213" y="2111897"/>
-            <a:ext cx="11061075" cy="4544054"/>
+            <a:off x="5926356" y="1913593"/>
+            <a:ext cx="5449824" cy="4544054"/>
           </a:xfrm>
         </p:spPr>
         <p:txBody>
           <a:bodyPr/>
           <a:lstStyle/>
+          <a:p>
+            <a:pPr marL="457200" indent="-457200">
+              <a:buFont typeface="Arial" panose="020B0604020202020204" pitchFamily="34" charset="0"/>
+              <a:buChar char="•"/>
+            </a:pPr>
+            <a:r>
+              <a:rPr lang="en-US" dirty="0"/>
+              <a:t>Inventory Management Issues:</a:t>
+            </a:r>
+          </a:p>
           <a:p>
             <a:pPr marL="457200" indent="-457200">
               <a:buFont typeface="Arial" panose="020B0604020202020204" pitchFamily="34" charset="0"/>
@@ -29756,11 +29577,7 @@
             </a:pPr>
             <a:r>
               <a:rPr lang="en-US" dirty="0"/>
-              <a:t>Customer Service Challenges: </a:t>
-            </a:r>
-            <a:r>
-              <a:rPr lang="en-US" cap="none" dirty="0"/>
-              <a:t>difficulty in managing in customer orders providing timely customer support and maintaining their satisfaction.</a:t>
+              <a:t>Customer Service Challenges:</a:t>
             </a:r>
           </a:p>
           <a:p>
@@ -29771,17 +29588,13 @@
             <a:endParaRPr lang="en-US" dirty="0"/>
           </a:p>
           <a:p>
-            <a:pPr marL="342900" indent="-342900">
+            <a:pPr marL="457200" indent="-457200">
               <a:buFont typeface="Arial" panose="020B0604020202020204" pitchFamily="34" charset="0"/>
               <a:buChar char="•"/>
             </a:pPr>
             <a:r>
               <a:rPr lang="en-US" dirty="0"/>
-              <a:t>Poor navigation(Interface): </a:t>
-            </a:r>
-            <a:r>
-              <a:rPr lang="en-US" cap="none" dirty="0"/>
-              <a:t>user struggle to find their way around interface.</a:t>
+              <a:t>Limited Data Insight:</a:t>
             </a:r>
           </a:p>
           <a:p>
@@ -29794,11 +29607,7 @@
             </a:pPr>
             <a:r>
               <a:rPr lang="en-US" dirty="0"/>
-              <a:t>Inefficient Manual Operations: </a:t>
-            </a:r>
-            <a:r>
-              <a:rPr lang="en-US" cap="none" dirty="0"/>
-              <a:t>time consuming and error prone manual processes for orders.</a:t>
+              <a:t>Inefficient Manual Operations:</a:t>
             </a:r>
           </a:p>
           <a:p>
@@ -29827,13 +29636,13 @@
   <p:clrMapOvr>
     <a:masterClrMapping/>
   </p:clrMapOvr>
-  <mc:AlternateContent xmlns:mc="http://schemas.openxmlformats.org/markup-compatibility/2006" xmlns:p159="http://schemas.microsoft.com/office/powerpoint/2015/09/main">
-    <mc:Choice Requires="p159">
+  <mc:AlternateContent xmlns:mc="http://schemas.openxmlformats.org/markup-compatibility/2006">
+    <mc:Choice xmlns="" xmlns:p159="http://schemas.microsoft.com/office/powerpoint/2015/09/main" Requires="p159">
       <p:transition xmlns:p14="http://schemas.microsoft.com/office/powerpoint/2010/main" spd="slow" p14:dur="2000">
         <p159:morph option="byObject"/>
       </p:transition>
     </mc:Choice>
-    <mc:Fallback xmlns="">
+    <mc:Fallback>
       <p:transition spd="slow">
         <p:fade/>
       </p:transition>
@@ -29928,7 +29737,7 @@
                                         <p:tgtEl>
                                           <p:spTgt spid="16">
                                             <p:txEl>
-                                              <p:pRg st="1" end="1"/>
+                                              <p:pRg st="0" end="0"/>
                                             </p:txEl>
                                           </p:spTgt>
                                         </p:tgtEl>
@@ -29946,7 +29755,7 @@
                                         <p:tgtEl>
                                           <p:spTgt spid="16">
                                             <p:txEl>
-                                              <p:pRg st="1" end="1"/>
+                                              <p:pRg st="0" end="0"/>
                                             </p:txEl>
                                           </p:spTgt>
                                         </p:tgtEl>
@@ -29989,7 +29798,7 @@
                                         <p:tgtEl>
                                           <p:spTgt spid="16">
                                             <p:txEl>
-                                              <p:pRg st="3" end="3"/>
+                                              <p:pRg st="2" end="2"/>
                                             </p:txEl>
                                           </p:spTgt>
                                         </p:tgtEl>
@@ -30007,7 +29816,7 @@
                                         <p:tgtEl>
                                           <p:spTgt spid="16">
                                             <p:txEl>
-                                              <p:pRg st="3" end="3"/>
+                                              <p:pRg st="2" end="2"/>
                                             </p:txEl>
                                           </p:spTgt>
                                         </p:tgtEl>
@@ -30050,7 +29859,7 @@
                                         <p:tgtEl>
                                           <p:spTgt spid="16">
                                             <p:txEl>
-                                              <p:pRg st="5" end="5"/>
+                                              <p:pRg st="4" end="4"/>
                                             </p:txEl>
                                           </p:spTgt>
                                         </p:tgtEl>
@@ -30068,7 +29877,68 @@
                                         <p:tgtEl>
                                           <p:spTgt spid="16">
                                             <p:txEl>
-                                              <p:pRg st="5" end="5"/>
+                                              <p:pRg st="4" end="4"/>
+                                            </p:txEl>
+                                          </p:spTgt>
+                                        </p:tgtEl>
+                                      </p:cBhvr>
+                                    </p:animEffect>
+                                  </p:childTnLst>
+                                </p:cTn>
+                              </p:par>
+                            </p:childTnLst>
+                          </p:cTn>
+                        </p:par>
+                      </p:childTnLst>
+                    </p:cTn>
+                  </p:par>
+                  <p:par>
+                    <p:cTn id="23" fill="hold">
+                      <p:stCondLst>
+                        <p:cond delay="indefinite"/>
+                      </p:stCondLst>
+                      <p:childTnLst>
+                        <p:par>
+                          <p:cTn id="24" fill="hold">
+                            <p:stCondLst>
+                              <p:cond delay="0"/>
+                            </p:stCondLst>
+                            <p:childTnLst>
+                              <p:par>
+                                <p:cTn id="25" presetID="10" presetClass="entr" presetSubtype="0" fill="hold" grpId="0" nodeType="clickEffect">
+                                  <p:stCondLst>
+                                    <p:cond delay="0"/>
+                                  </p:stCondLst>
+                                  <p:childTnLst>
+                                    <p:set>
+                                      <p:cBhvr>
+                                        <p:cTn id="26" dur="1" fill="hold">
+                                          <p:stCondLst>
+                                            <p:cond delay="0"/>
+                                          </p:stCondLst>
+                                        </p:cTn>
+                                        <p:tgtEl>
+                                          <p:spTgt spid="16">
+                                            <p:txEl>
+                                              <p:pRg st="6" end="6"/>
+                                            </p:txEl>
+                                          </p:spTgt>
+                                        </p:tgtEl>
+                                        <p:attrNameLst>
+                                          <p:attrName>style.visibility</p:attrName>
+                                        </p:attrNameLst>
+                                      </p:cBhvr>
+                                      <p:to>
+                                        <p:strVal val="visible"/>
+                                      </p:to>
+                                    </p:set>
+                                    <p:animEffect transition="in" filter="fade">
+                                      <p:cBhvr>
+                                        <p:cTn id="27" dur="500"/>
+                                        <p:tgtEl>
+                                          <p:spTgt spid="16">
+                                            <p:txEl>
+                                              <p:pRg st="6" end="6"/>
                                             </p:txEl>
                                           </p:spTgt>
                                         </p:tgtEl>
@@ -30411,13 +30281,13 @@
   <p:clrMapOvr>
     <a:masterClrMapping/>
   </p:clrMapOvr>
-  <mc:AlternateContent xmlns:mc="http://schemas.openxmlformats.org/markup-compatibility/2006" xmlns:p159="http://schemas.microsoft.com/office/powerpoint/2015/09/main">
-    <mc:Choice Requires="p159">
+  <mc:AlternateContent xmlns:mc="http://schemas.openxmlformats.org/markup-compatibility/2006">
+    <mc:Choice xmlns="" xmlns:p159="http://schemas.microsoft.com/office/powerpoint/2015/09/main" Requires="p159">
       <p:transition xmlns:p14="http://schemas.microsoft.com/office/powerpoint/2010/main" spd="slow" p14:dur="2000">
         <p159:morph option="byObject"/>
       </p:transition>
     </mc:Choice>
-    <mc:Fallback xmlns="">
+    <mc:Fallback>
       <p:transition spd="slow">
         <p:fade/>
       </p:transition>
@@ -30660,6 +30530,186 @@
           <a:chExt cx="0" cy="0"/>
         </a:xfrm>
       </p:grpSpPr>
+      <p:pic>
+        <p:nvPicPr>
+          <p:cNvPr id="4100" name="Picture 4">
+            <a:extLst>
+              <a:ext uri="{FF2B5EF4-FFF2-40B4-BE49-F238E27FC236}">
+                <a16:creationId xmlns:a16="http://schemas.microsoft.com/office/drawing/2014/main" id="{FC057749-F89D-70C0-F19B-9742386AFB5C}"/>
+              </a:ext>
+            </a:extLst>
+          </p:cNvPr>
+          <p:cNvPicPr>
+            <a:picLocks noChangeAspect="1" noChangeArrowheads="1"/>
+          </p:cNvPicPr>
+          <p:nvPr/>
+        </p:nvPicPr>
+        <p:blipFill>
+          <a:blip r:embed="rId3">
+            <a:extLst>
+              <a:ext uri="{28A0092B-C50C-407E-A947-70E740481C1C}">
+                <a14:useLocalDpi xmlns:a14="http://schemas.microsoft.com/office/drawing/2010/main" val="0"/>
+              </a:ext>
+            </a:extLst>
+          </a:blip>
+          <a:srcRect/>
+          <a:stretch>
+            <a:fillRect/>
+          </a:stretch>
+        </p:blipFill>
+        <p:spPr bwMode="auto">
+          <a:xfrm>
+            <a:off x="1859622" y="973475"/>
+            <a:ext cx="9102904" cy="5252663"/>
+          </a:xfrm>
+          <a:prstGeom prst="rect">
+            <a:avLst/>
+          </a:prstGeom>
+          <a:noFill/>
+          <a:extLst>
+            <a:ext uri="{909E8E84-426E-40DD-AFC4-6F175D3DCCD1}">
+              <a14:hiddenFill xmlns:a14="http://schemas.microsoft.com/office/drawing/2010/main">
+                <a:solidFill>
+                  <a:srgbClr val="FFFFFF"/>
+                </a:solidFill>
+              </a14:hiddenFill>
+            </a:ext>
+          </a:extLst>
+        </p:spPr>
+      </p:pic>
+    </p:spTree>
+    <p:extLst>
+      <p:ext uri="{BB962C8B-B14F-4D97-AF65-F5344CB8AC3E}">
+        <p14:creationId xmlns:p14="http://schemas.microsoft.com/office/powerpoint/2010/main" val="1096717490"/>
+      </p:ext>
+    </p:extLst>
+  </p:cSld>
+  <p:clrMapOvr>
+    <a:masterClrMapping/>
+  </p:clrMapOvr>
+  <mc:AlternateContent xmlns:mc="http://schemas.openxmlformats.org/markup-compatibility/2006">
+    <mc:Choice xmlns="" xmlns:p159="http://schemas.microsoft.com/office/powerpoint/2015/09/main" Requires="p159">
+      <p:transition xmlns:p14="http://schemas.microsoft.com/office/powerpoint/2010/main" spd="slow" p14:dur="2000">
+        <p159:morph option="byObject"/>
+      </p:transition>
+    </mc:Choice>
+    <mc:Fallback>
+      <p:transition spd="slow">
+        <p:fade/>
+      </p:transition>
+    </mc:Fallback>
+  </mc:AlternateContent>
+  <p:timing>
+    <p:tnLst>
+      <p:par>
+        <p:cTn id="1" dur="indefinite" restart="never" nodeType="tmRoot">
+          <p:childTnLst>
+            <p:seq concurrent="1" nextAc="seek">
+              <p:cTn id="2" dur="indefinite" nodeType="mainSeq">
+                <p:childTnLst>
+                  <p:par>
+                    <p:cTn id="3" fill="hold">
+                      <p:stCondLst>
+                        <p:cond delay="indefinite"/>
+                      </p:stCondLst>
+                      <p:childTnLst>
+                        <p:par>
+                          <p:cTn id="4" fill="hold">
+                            <p:stCondLst>
+                              <p:cond delay="0"/>
+                            </p:stCondLst>
+                            <p:childTnLst>
+                              <p:par>
+                                <p:cTn id="5" presetID="10" presetClass="entr" presetSubtype="0" fill="hold" nodeType="clickEffect">
+                                  <p:stCondLst>
+                                    <p:cond delay="0"/>
+                                  </p:stCondLst>
+                                  <p:childTnLst>
+                                    <p:set>
+                                      <p:cBhvr>
+                                        <p:cTn id="6" dur="1" fill="hold">
+                                          <p:stCondLst>
+                                            <p:cond delay="0"/>
+                                          </p:stCondLst>
+                                        </p:cTn>
+                                        <p:tgtEl>
+                                          <p:spTgt spid="4100"/>
+                                        </p:tgtEl>
+                                        <p:attrNameLst>
+                                          <p:attrName>style.visibility</p:attrName>
+                                        </p:attrNameLst>
+                                      </p:cBhvr>
+                                      <p:to>
+                                        <p:strVal val="visible"/>
+                                      </p:to>
+                                    </p:set>
+                                    <p:animEffect transition="in" filter="fade">
+                                      <p:cBhvr>
+                                        <p:cTn id="7" dur="500"/>
+                                        <p:tgtEl>
+                                          <p:spTgt spid="4100"/>
+                                        </p:tgtEl>
+                                      </p:cBhvr>
+                                    </p:animEffect>
+                                  </p:childTnLst>
+                                </p:cTn>
+                              </p:par>
+                            </p:childTnLst>
+                          </p:cTn>
+                        </p:par>
+                      </p:childTnLst>
+                    </p:cTn>
+                  </p:par>
+                </p:childTnLst>
+              </p:cTn>
+              <p:prevCondLst>
+                <p:cond evt="onPrev" delay="0">
+                  <p:tgtEl>
+                    <p:sldTgt/>
+                  </p:tgtEl>
+                </p:cond>
+              </p:prevCondLst>
+              <p:nextCondLst>
+                <p:cond evt="onNext" delay="0">
+                  <p:tgtEl>
+                    <p:sldTgt/>
+                  </p:tgtEl>
+                </p:cond>
+              </p:nextCondLst>
+            </p:seq>
+          </p:childTnLst>
+        </p:cTn>
+      </p:par>
+    </p:tnLst>
+  </p:timing>
+</p:sld>
+</file>
+
+<file path=ppt/slides/slide7.xml><?xml version="1.0" encoding="utf-8"?>
+<p:sld xmlns:a="http://schemas.openxmlformats.org/drawingml/2006/main" xmlns:r="http://schemas.openxmlformats.org/officeDocument/2006/relationships" xmlns:p="http://schemas.openxmlformats.org/presentationml/2006/main">
+  <p:cSld>
+    <p:bg>
+      <p:bgPr>
+        <a:solidFill>
+          <a:schemeClr val="bg2"/>
+        </a:solidFill>
+        <a:effectLst/>
+      </p:bgPr>
+    </p:bg>
+    <p:spTree>
+      <p:nvGrpSpPr>
+        <p:cNvPr id="1" name=""/>
+        <p:cNvGrpSpPr/>
+        <p:nvPr/>
+      </p:nvGrpSpPr>
+      <p:grpSpPr>
+        <a:xfrm>
+          <a:off x="0" y="0"/>
+          <a:ext cx="0" cy="0"/>
+          <a:chOff x="0" y="0"/>
+          <a:chExt cx="0" cy="0"/>
+        </a:xfrm>
+      </p:grpSpPr>
       <p:sp>
         <p:nvSpPr>
           <p:cNvPr id="11" name="Title 10">
@@ -30825,7 +30875,7 @@
             <a:fld id="{58FB4751-880F-D840-AAA9-3A15815CC996}" type="slidenum">
               <a:rPr lang="en-US" smtClean="0"/>
               <a:pPr/>
-              <a:t>6</a:t>
+              <a:t>7</a:t>
             </a:fld>
             <a:endParaRPr lang="en-US" dirty="0"/>
           </a:p>
@@ -30841,13 +30891,13 @@
   <p:clrMapOvr>
     <a:masterClrMapping/>
   </p:clrMapOvr>
-  <mc:AlternateContent xmlns:mc="http://schemas.openxmlformats.org/markup-compatibility/2006" xmlns:p159="http://schemas.microsoft.com/office/powerpoint/2015/09/main">
-    <mc:Choice Requires="p159">
+  <mc:AlternateContent xmlns:mc="http://schemas.openxmlformats.org/markup-compatibility/2006">
+    <mc:Choice xmlns="" xmlns:p159="http://schemas.microsoft.com/office/powerpoint/2015/09/main" Requires="p159">
       <p:transition xmlns:p14="http://schemas.microsoft.com/office/powerpoint/2010/main" spd="slow" p14:dur="2000">
         <p159:morph option="byObject"/>
       </p:transition>
     </mc:Choice>
-    <mc:Fallback xmlns="">
+    <mc:Fallback>
       <p:transition spd="slow">
         <p:fade/>
       </p:transition>
@@ -31248,92 +31298,6 @@
 </p:sld>
 </file>
 
-<file path=ppt/slides/slide7.xml><?xml version="1.0" encoding="utf-8"?>
-<p:sld xmlns:a="http://schemas.openxmlformats.org/drawingml/2006/main" xmlns:r="http://schemas.openxmlformats.org/officeDocument/2006/relationships" xmlns:p="http://schemas.openxmlformats.org/presentationml/2006/main">
-  <p:cSld>
-    <p:bg>
-      <p:bgPr>
-        <a:solidFill>
-          <a:schemeClr val="bg2"/>
-        </a:solidFill>
-        <a:effectLst/>
-      </p:bgPr>
-    </p:bg>
-    <p:spTree>
-      <p:nvGrpSpPr>
-        <p:cNvPr id="1" name=""/>
-        <p:cNvGrpSpPr/>
-        <p:nvPr/>
-      </p:nvGrpSpPr>
-      <p:grpSpPr>
-        <a:xfrm>
-          <a:off x="0" y="0"/>
-          <a:ext cx="0" cy="0"/>
-          <a:chOff x="0" y="0"/>
-          <a:chExt cx="0" cy="0"/>
-        </a:xfrm>
-      </p:grpSpPr>
-      <p:pic>
-        <p:nvPicPr>
-          <p:cNvPr id="2" name="Picture 1">
-            <a:extLst>
-              <a:ext uri="{FF2B5EF4-FFF2-40B4-BE49-F238E27FC236}">
-                <a16:creationId xmlns:a16="http://schemas.microsoft.com/office/drawing/2014/main" id="{1DDAD07B-86A4-0126-6065-0EFD3D5E8C4C}"/>
-              </a:ext>
-            </a:extLst>
-          </p:cNvPr>
-          <p:cNvPicPr>
-            <a:picLocks noChangeAspect="1"/>
-          </p:cNvPicPr>
-          <p:nvPr/>
-        </p:nvPicPr>
-        <p:blipFill>
-          <a:blip r:embed="rId3">
-            <a:extLst>
-              <a:ext uri="{28A0092B-C50C-407E-A947-70E740481C1C}">
-                <a14:useLocalDpi xmlns:a14="http://schemas.microsoft.com/office/drawing/2010/main" val="0"/>
-              </a:ext>
-            </a:extLst>
-          </a:blip>
-          <a:stretch>
-            <a:fillRect/>
-          </a:stretch>
-        </p:blipFill>
-        <p:spPr>
-          <a:xfrm>
-            <a:off x="3124517" y="430848"/>
-            <a:ext cx="5942965" cy="5996305"/>
-          </a:xfrm>
-          <a:prstGeom prst="rect">
-            <a:avLst/>
-          </a:prstGeom>
-        </p:spPr>
-      </p:pic>
-    </p:spTree>
-    <p:extLst>
-      <p:ext uri="{BB962C8B-B14F-4D97-AF65-F5344CB8AC3E}">
-        <p14:creationId xmlns:p14="http://schemas.microsoft.com/office/powerpoint/2010/main" val="1096717490"/>
-      </p:ext>
-    </p:extLst>
-  </p:cSld>
-  <p:clrMapOvr>
-    <a:masterClrMapping/>
-  </p:clrMapOvr>
-  <mc:AlternateContent xmlns:mc="http://schemas.openxmlformats.org/markup-compatibility/2006" xmlns:p159="http://schemas.microsoft.com/office/powerpoint/2015/09/main">
-    <mc:Choice Requires="p159">
-      <p:transition xmlns:p14="http://schemas.microsoft.com/office/powerpoint/2010/main" spd="slow" p14:dur="2000">
-        <p159:morph option="byObject"/>
-      </p:transition>
-    </mc:Choice>
-    <mc:Fallback xmlns="">
-      <p:transition spd="slow">
-        <p:fade/>
-      </p:transition>
-    </mc:Fallback>
-  </mc:AlternateContent>
-</p:sld>
-</file>
-
 <file path=ppt/slides/slide8.xml><?xml version="1.0" encoding="utf-8"?>
 <p:sld xmlns:a="http://schemas.openxmlformats.org/drawingml/2006/main" xmlns:r="http://schemas.openxmlformats.org/officeDocument/2006/relationships" xmlns:p="http://schemas.openxmlformats.org/presentationml/2006/main">
   <p:cSld>
@@ -31479,13 +31443,13 @@
   <p:clrMapOvr>
     <a:masterClrMapping/>
   </p:clrMapOvr>
-  <mc:AlternateContent xmlns:mc="http://schemas.openxmlformats.org/markup-compatibility/2006" xmlns:p159="http://schemas.microsoft.com/office/powerpoint/2015/09/main">
-    <mc:Choice Requires="p159">
+  <mc:AlternateContent xmlns:mc="http://schemas.openxmlformats.org/markup-compatibility/2006">
+    <mc:Choice xmlns="" xmlns:p159="http://schemas.microsoft.com/office/powerpoint/2015/09/main" Requires="p159">
       <p:transition xmlns:p14="http://schemas.microsoft.com/office/powerpoint/2010/main" spd="slow" p14:dur="2000">
         <p159:morph option="byObject"/>
       </p:transition>
     </mc:Choice>
-    <mc:Fallback xmlns="">
+    <mc:Fallback>
       <p:transition spd="slow">
         <p:fade/>
       </p:transition>
@@ -31836,24 +31800,7 @@
                 </a:solidFill>
                 <a:effectLst/>
               </a:rPr>
-              <a:t>Provide a seamless and </a:t>
-            </a:r>
-            <a:r>
-              <a:rPr lang="en-US" sz="2800" dirty="0">
-                <a:solidFill>
-                  <a:srgbClr val="000000"/>
-                </a:solidFill>
-              </a:rPr>
-              <a:t>better</a:t>
-            </a:r>
-            <a:r>
-              <a:rPr lang="en-US" sz="2800" b="0" i="0" u="none" strike="noStrike" dirty="0">
-                <a:solidFill>
-                  <a:srgbClr val="000000"/>
-                </a:solidFill>
-                <a:effectLst/>
-              </a:rPr>
-              <a:t> shopping experience.</a:t>
+              <a:t>Provide a seamless and intuitive shopping experience.</a:t>
             </a:r>
           </a:p>
           <a:p>
@@ -32012,13 +31959,13 @@
   <p:clrMapOvr>
     <a:masterClrMapping/>
   </p:clrMapOvr>
-  <mc:AlternateContent xmlns:mc="http://schemas.openxmlformats.org/markup-compatibility/2006" xmlns:p159="http://schemas.microsoft.com/office/powerpoint/2015/09/main">
-    <mc:Choice Requires="p159">
+  <mc:AlternateContent xmlns:mc="http://schemas.openxmlformats.org/markup-compatibility/2006">
+    <mc:Choice xmlns="" xmlns:p159="http://schemas.microsoft.com/office/powerpoint/2015/09/main" Requires="p159">
       <p:transition xmlns:p14="http://schemas.microsoft.com/office/powerpoint/2010/main" spd="slow" p14:dur="2000">
         <p159:morph option="byObject"/>
       </p:transition>
     </mc:Choice>
-    <mc:Fallback xmlns="">
+    <mc:Fallback>
       <p:transition spd="slow">
         <p:fade/>
       </p:transition>
